--- a/workdir/fastio_midpoint_presentation.pptx
+++ b/workdir/fastio_midpoint_presentation.pptx
@@ -20,13 +20,13 @@
     <p:sldId id="265" r:id="rId11"/>
     <p:sldId id="266" r:id="rId12"/>
     <p:sldId id="267" r:id="rId13"/>
-    <p:sldId id="268" r:id="rId14"/>
-    <p:sldId id="269" r:id="rId15"/>
-    <p:sldId id="270" r:id="rId16"/>
-    <p:sldId id="272" r:id="rId17"/>
-    <p:sldId id="273" r:id="rId18"/>
-    <p:sldId id="274" r:id="rId19"/>
-    <p:sldId id="276" r:id="rId20"/>
+    <p:sldId id="276" r:id="rId14"/>
+    <p:sldId id="268" r:id="rId15"/>
+    <p:sldId id="269" r:id="rId16"/>
+    <p:sldId id="270" r:id="rId17"/>
+    <p:sldId id="272" r:id="rId18"/>
+    <p:sldId id="273" r:id="rId19"/>
+    <p:sldId id="274" r:id="rId20"/>
     <p:sldId id="271" r:id="rId21"/>
   </p:sldIdLst>
   <p:sldSz cx="12188825" cy="6858000"/>
@@ -126,6 +126,11 @@
       </a:defRPr>
     </a:lvl9pPr>
   </p:defaultTextStyle>
+  <p:extLst>
+    <p:ext uri="{EFAFB233-063F-42B5-8137-9DF3F51BA10A}">
+      <p15:sldGuideLst xmlns:p15="http://schemas.microsoft.com/office/powerpoint/2012/main"/>
+    </p:ext>
+  </p:extLst>
 </p:presentation>
 </file>
 
@@ -743,6 +748,142 @@
       </p:grpSpPr>
       <p:sp>
         <p:nvSpPr>
+          <p:cNvPr id="267" name="PlaceHolder 1"/>
+          <p:cNvSpPr>
+            <a:spLocks noGrp="1"/>
+          </p:cNvSpPr>
+          <p:nvPr>
+            <p:ph type="body"/>
+          </p:nvPr>
+        </p:nvSpPr>
+        <p:spPr>
+          <a:xfrm>
+            <a:off x="382680" y="4343400"/>
+            <a:ext cx="6092280" cy="4114080"/>
+          </a:xfrm>
+          <a:prstGeom prst="rect">
+            <a:avLst/>
+          </a:prstGeom>
+        </p:spPr>
+        <p:txBody>
+          <a:bodyPr lIns="0" tIns="0" rIns="0" bIns="0"/>
+          <a:lstStyle/>
+          <a:p>
+            <a:endParaRPr lang="en-US" sz="2000" b="0" strike="noStrike" spc="-1">
+              <a:solidFill>
+                <a:srgbClr val="000000"/>
+              </a:solidFill>
+              <a:uFill>
+                <a:solidFill>
+                  <a:srgbClr val="FFFFFF"/>
+                </a:solidFill>
+              </a:uFill>
+              <a:latin typeface="DejaVu Sans"/>
+            </a:endParaRPr>
+          </a:p>
+        </p:txBody>
+      </p:sp>
+      <p:sp>
+        <p:nvSpPr>
+          <p:cNvPr id="268" name="CustomShape 2"/>
+          <p:cNvSpPr/>
+          <p:nvPr/>
+        </p:nvSpPr>
+        <p:spPr>
+          <a:xfrm>
+            <a:off x="3884760" y="8685360"/>
+            <a:ext cx="2286720" cy="456480"/>
+          </a:xfrm>
+          <a:prstGeom prst="rect">
+            <a:avLst/>
+          </a:prstGeom>
+          <a:noFill/>
+          <a:ln>
+            <a:noFill/>
+          </a:ln>
+        </p:spPr>
+        <p:style>
+          <a:lnRef idx="0">
+            <a:scrgbClr r="0" g="0" b="0"/>
+          </a:lnRef>
+          <a:fillRef idx="0">
+            <a:scrgbClr r="0" g="0" b="0"/>
+          </a:fillRef>
+          <a:effectRef idx="0">
+            <a:scrgbClr r="0" g="0" b="0"/>
+          </a:effectRef>
+          <a:fontRef idx="minor"/>
+        </p:style>
+        <p:txBody>
+          <a:bodyPr lIns="90000" tIns="45000" rIns="90000" bIns="45000" anchor="b"/>
+          <a:lstStyle/>
+          <a:p>
+            <a:pPr algn="r">
+              <a:lnSpc>
+                <a:spcPct val="100000"/>
+              </a:lnSpc>
+            </a:pPr>
+            <a:fld id="{436E78D0-A3EA-428E-B4B3-BB245F75976D}" type="slidenum">
+              <a:rPr lang="en-US" sz="1100" b="0" strike="noStrike" spc="-1">
+                <a:solidFill>
+                  <a:srgbClr val="000000"/>
+                </a:solidFill>
+                <a:uFill>
+                  <a:solidFill>
+                    <a:srgbClr val="FFFFFF"/>
+                  </a:solidFill>
+                </a:uFill>
+                <a:latin typeface="Qualcomm Office Regular"/>
+                <a:ea typeface="+mn-ea"/>
+              </a:rPr>
+              <a:t>11</a:t>
+            </a:fld>
+            <a:endParaRPr lang="en-US" sz="1800" b="0" strike="noStrike" spc="-1">
+              <a:solidFill>
+                <a:srgbClr val="000000"/>
+              </a:solidFill>
+              <a:uFill>
+                <a:solidFill>
+                  <a:srgbClr val="FFFFFF"/>
+                </a:solidFill>
+              </a:uFill>
+              <a:latin typeface="DejaVu Sans Mono"/>
+            </a:endParaRPr>
+          </a:p>
+        </p:txBody>
+      </p:sp>
+    </p:spTree>
+    <p:extLst>
+      <p:ext uri="{BB962C8B-B14F-4D97-AF65-F5344CB8AC3E}">
+        <p14:creationId xmlns:p14="http://schemas.microsoft.com/office/powerpoint/2010/main" val="1742701221"/>
+      </p:ext>
+    </p:extLst>
+  </p:cSld>
+  <p:clrMapOvr>
+    <a:masterClrMapping/>
+  </p:clrMapOvr>
+</p:notes>
+</file>
+
+<file path=ppt/notesSlides/notesSlide12.xml><?xml version="1.0" encoding="utf-8"?>
+<p:notes xmlns:a="http://schemas.openxmlformats.org/drawingml/2006/main" xmlns:r="http://schemas.openxmlformats.org/officeDocument/2006/relationships" xmlns:p="http://schemas.openxmlformats.org/presentationml/2006/main">
+  <p:cSld>
+    <p:spTree>
+      <p:nvGrpSpPr>
+        <p:cNvPr id="1" name=""/>
+        <p:cNvGrpSpPr/>
+        <p:nvPr/>
+      </p:nvGrpSpPr>
+      <p:grpSpPr>
+        <a:xfrm>
+          <a:off x="0" y="0"/>
+          <a:ext cx="0" cy="0"/>
+          <a:chOff x="0" y="0"/>
+          <a:chExt cx="0" cy="0"/>
+        </a:xfrm>
+      </p:grpSpPr>
+      <p:sp>
+        <p:nvSpPr>
           <p:cNvPr id="263" name="PlaceHolder 1"/>
           <p:cNvSpPr>
             <a:spLocks noGrp="1"/>
@@ -831,7 +972,7 @@
                 <a:latin typeface="Qualcomm Office Regular"/>
                 <a:ea typeface="+mn-ea"/>
               </a:rPr>
-              <a:t>11</a:t>
+              <a:t>12</a:t>
             </a:fld>
             <a:endParaRPr lang="en-US" sz="1800" b="0" strike="noStrike" spc="-1">
               <a:solidFill>
@@ -855,7 +996,7 @@
 </p:notes>
 </file>
 
-<file path=ppt/notesSlides/notesSlide12.xml><?xml version="1.0" encoding="utf-8"?>
+<file path=ppt/notesSlides/notesSlide13.xml><?xml version="1.0" encoding="utf-8"?>
 <p:notes xmlns:a="http://schemas.openxmlformats.org/drawingml/2006/main" xmlns:r="http://schemas.openxmlformats.org/officeDocument/2006/relationships" xmlns:p="http://schemas.openxmlformats.org/presentationml/2006/main">
   <p:cSld>
     <p:spTree>
@@ -962,7 +1103,7 @@
                 <a:latin typeface="Qualcomm Office Regular"/>
                 <a:ea typeface="+mn-ea"/>
               </a:rPr>
-              <a:t>12</a:t>
+              <a:t>13</a:t>
             </a:fld>
             <a:endParaRPr lang="en-US" sz="1800" b="0" strike="noStrike" spc="-1">
               <a:solidFill>
@@ -986,7 +1127,7 @@
 </p:notes>
 </file>
 
-<file path=ppt/notesSlides/notesSlide13.xml><?xml version="1.0" encoding="utf-8"?>
+<file path=ppt/notesSlides/notesSlide14.xml><?xml version="1.0" encoding="utf-8"?>
 <p:notes xmlns:a="http://schemas.openxmlformats.org/drawingml/2006/main" xmlns:r="http://schemas.openxmlformats.org/officeDocument/2006/relationships" xmlns:p="http://schemas.openxmlformats.org/presentationml/2006/main">
   <p:cSld>
     <p:spTree>
@@ -1093,7 +1234,7 @@
                 <a:latin typeface="Qualcomm Office Regular"/>
                 <a:ea typeface="+mn-ea"/>
               </a:rPr>
-              <a:t>15</a:t>
+              <a:t>16</a:t>
             </a:fld>
             <a:endParaRPr lang="en-US" sz="1800" b="0" strike="noStrike" spc="-1">
               <a:solidFill>
@@ -1122,7 +1263,7 @@
 </p:notes>
 </file>
 
-<file path=ppt/notesSlides/notesSlide14.xml><?xml version="1.0" encoding="utf-8"?>
+<file path=ppt/notesSlides/notesSlide15.xml><?xml version="1.0" encoding="utf-8"?>
 <p:notes xmlns:a="http://schemas.openxmlformats.org/drawingml/2006/main" xmlns:r="http://schemas.openxmlformats.org/officeDocument/2006/relationships" xmlns:p="http://schemas.openxmlformats.org/presentationml/2006/main">
   <p:cSld>
     <p:spTree>
@@ -1229,7 +1370,7 @@
                 <a:latin typeface="Qualcomm Office Regular"/>
                 <a:ea typeface="+mn-ea"/>
               </a:rPr>
-              <a:t>16</a:t>
+              <a:t>17</a:t>
             </a:fld>
             <a:endParaRPr lang="en-US" sz="1800" b="0" strike="noStrike" spc="-1">
               <a:solidFill>
@@ -1249,142 +1390,6 @@
     <p:extLst>
       <p:ext uri="{BB962C8B-B14F-4D97-AF65-F5344CB8AC3E}">
         <p14:creationId xmlns:p14="http://schemas.microsoft.com/office/powerpoint/2010/main" val="3067422072"/>
-      </p:ext>
-    </p:extLst>
-  </p:cSld>
-  <p:clrMapOvr>
-    <a:masterClrMapping/>
-  </p:clrMapOvr>
-</p:notes>
-</file>
-
-<file path=ppt/notesSlides/notesSlide15.xml><?xml version="1.0" encoding="utf-8"?>
-<p:notes xmlns:a="http://schemas.openxmlformats.org/drawingml/2006/main" xmlns:r="http://schemas.openxmlformats.org/officeDocument/2006/relationships" xmlns:p="http://schemas.openxmlformats.org/presentationml/2006/main">
-  <p:cSld>
-    <p:spTree>
-      <p:nvGrpSpPr>
-        <p:cNvPr id="1" name=""/>
-        <p:cNvGrpSpPr/>
-        <p:nvPr/>
-      </p:nvGrpSpPr>
-      <p:grpSpPr>
-        <a:xfrm>
-          <a:off x="0" y="0"/>
-          <a:ext cx="0" cy="0"/>
-          <a:chOff x="0" y="0"/>
-          <a:chExt cx="0" cy="0"/>
-        </a:xfrm>
-      </p:grpSpPr>
-      <p:sp>
-        <p:nvSpPr>
-          <p:cNvPr id="267" name="PlaceHolder 1"/>
-          <p:cNvSpPr>
-            <a:spLocks noGrp="1"/>
-          </p:cNvSpPr>
-          <p:nvPr>
-            <p:ph type="body"/>
-          </p:nvPr>
-        </p:nvSpPr>
-        <p:spPr>
-          <a:xfrm>
-            <a:off x="382680" y="4343400"/>
-            <a:ext cx="6092280" cy="4114080"/>
-          </a:xfrm>
-          <a:prstGeom prst="rect">
-            <a:avLst/>
-          </a:prstGeom>
-        </p:spPr>
-        <p:txBody>
-          <a:bodyPr lIns="0" tIns="0" rIns="0" bIns="0"/>
-          <a:lstStyle/>
-          <a:p>
-            <a:endParaRPr lang="en-US" sz="2000" b="0" strike="noStrike" spc="-1">
-              <a:solidFill>
-                <a:srgbClr val="000000"/>
-              </a:solidFill>
-              <a:uFill>
-                <a:solidFill>
-                  <a:srgbClr val="FFFFFF"/>
-                </a:solidFill>
-              </a:uFill>
-              <a:latin typeface="DejaVu Sans"/>
-            </a:endParaRPr>
-          </a:p>
-        </p:txBody>
-      </p:sp>
-      <p:sp>
-        <p:nvSpPr>
-          <p:cNvPr id="268" name="CustomShape 2"/>
-          <p:cNvSpPr/>
-          <p:nvPr/>
-        </p:nvSpPr>
-        <p:spPr>
-          <a:xfrm>
-            <a:off x="3884760" y="8685360"/>
-            <a:ext cx="2286720" cy="456480"/>
-          </a:xfrm>
-          <a:prstGeom prst="rect">
-            <a:avLst/>
-          </a:prstGeom>
-          <a:noFill/>
-          <a:ln>
-            <a:noFill/>
-          </a:ln>
-        </p:spPr>
-        <p:style>
-          <a:lnRef idx="0">
-            <a:scrgbClr r="0" g="0" b="0"/>
-          </a:lnRef>
-          <a:fillRef idx="0">
-            <a:scrgbClr r="0" g="0" b="0"/>
-          </a:fillRef>
-          <a:effectRef idx="0">
-            <a:scrgbClr r="0" g="0" b="0"/>
-          </a:effectRef>
-          <a:fontRef idx="minor"/>
-        </p:style>
-        <p:txBody>
-          <a:bodyPr lIns="90000" tIns="45000" rIns="90000" bIns="45000" anchor="b"/>
-          <a:lstStyle/>
-          <a:p>
-            <a:pPr algn="r">
-              <a:lnSpc>
-                <a:spcPct val="100000"/>
-              </a:lnSpc>
-            </a:pPr>
-            <a:fld id="{436E78D0-A3EA-428E-B4B3-BB245F75976D}" type="slidenum">
-              <a:rPr lang="en-US" sz="1100" b="0" strike="noStrike" spc="-1">
-                <a:solidFill>
-                  <a:srgbClr val="000000"/>
-                </a:solidFill>
-                <a:uFill>
-                  <a:solidFill>
-                    <a:srgbClr val="FFFFFF"/>
-                  </a:solidFill>
-                </a:uFill>
-                <a:latin typeface="Qualcomm Office Regular"/>
-                <a:ea typeface="+mn-ea"/>
-              </a:rPr>
-              <a:t>17</a:t>
-            </a:fld>
-            <a:endParaRPr lang="en-US" sz="1800" b="0" strike="noStrike" spc="-1">
-              <a:solidFill>
-                <a:srgbClr val="000000"/>
-              </a:solidFill>
-              <a:uFill>
-                <a:solidFill>
-                  <a:srgbClr val="FFFFFF"/>
-                </a:solidFill>
-              </a:uFill>
-              <a:latin typeface="DejaVu Sans Mono"/>
-            </a:endParaRPr>
-          </a:p>
-        </p:txBody>
-      </p:sp>
-    </p:spTree>
-    <p:extLst>
-      <p:ext uri="{BB962C8B-B14F-4D97-AF65-F5344CB8AC3E}">
-        <p14:creationId xmlns:p14="http://schemas.microsoft.com/office/powerpoint/2010/main" val="1742701221"/>
       </p:ext>
     </p:extLst>
   </p:cSld>
@@ -17695,14 +17700,14 @@
       </p:grpSpPr>
       <p:sp>
         <p:nvSpPr>
-          <p:cNvPr id="229" name="CustomShape 1"/>
+          <p:cNvPr id="233" name="CustomShape 1"/>
           <p:cNvSpPr/>
           <p:nvPr/>
         </p:nvSpPr>
         <p:spPr>
           <a:xfrm>
             <a:off x="294480" y="1806480"/>
-            <a:ext cx="11429280" cy="2932560"/>
+            <a:ext cx="8251200" cy="4477320"/>
           </a:xfrm>
           <a:prstGeom prst="rect">
             <a:avLst/>
@@ -17736,463 +17741,7 @@
                 <a:blip r:embed="rId3"/>
               </a:buBlip>
             </a:pPr>
-            <a:r>
-              <a:rPr lang="en-US" sz="2400" b="0" strike="noStrike" spc="-1">
-                <a:solidFill>
-                  <a:srgbClr val="404040"/>
-                </a:solidFill>
-                <a:uFill>
-                  <a:solidFill>
-                    <a:srgbClr val="FFFFFF"/>
-                  </a:solidFill>
-                </a:uFill>
-                <a:latin typeface="Qualcomm Office Regular"/>
-              </a:rPr>
-              <a:t>ifio_connection(...) </a:t>
-            </a:r>
-            <a:endParaRPr lang="en-US" sz="1800" b="0" strike="noStrike" spc="-1">
-              <a:solidFill>
-                <a:srgbClr val="000000"/>
-              </a:solidFill>
-              <a:uFill>
-                <a:solidFill>
-                  <a:srgbClr val="FFFFFF"/>
-                </a:solidFill>
-              </a:uFill>
-              <a:latin typeface="DejaVu Sans Mono"/>
-            </a:endParaRPr>
-          </a:p>
-          <a:p>
-            <a:pPr marL="432000" lvl="1" indent="-216000">
-              <a:lnSpc>
-                <a:spcPct val="100000"/>
-              </a:lnSpc>
-              <a:buClr>
-                <a:srgbClr val="000000"/>
-              </a:buClr>
-              <a:buSzPct val="45000"/>
-              <a:buFont typeface="Wingdings" charset="2"/>
-              <a:buChar char=""/>
-            </a:pPr>
-            <a:r>
-              <a:rPr lang="en-US" sz="2400" b="0" strike="noStrike" spc="-1">
-                <a:solidFill>
-                  <a:srgbClr val="404040"/>
-                </a:solidFill>
-                <a:uFill>
-                  <a:solidFill>
-                    <a:srgbClr val="FFFFFF"/>
-                  </a:solidFill>
-                </a:uFill>
-                <a:latin typeface="Qualcomm Office Regular"/>
-              </a:rPr>
-              <a:t>Define connection properties. Pass result as argument to below:</a:t>
-            </a:r>
-            <a:endParaRPr lang="en-US" sz="1800" b="0" strike="noStrike" spc="-1">
-              <a:solidFill>
-                <a:srgbClr val="000000"/>
-              </a:solidFill>
-              <a:uFill>
-                <a:solidFill>
-                  <a:srgbClr val="FFFFFF"/>
-                </a:solidFill>
-              </a:uFill>
-              <a:latin typeface="DejaVu Sans Mono"/>
-            </a:endParaRPr>
-          </a:p>
-          <a:p>
-            <a:pPr marL="343080" indent="-342360">
-              <a:lnSpc>
-                <a:spcPct val="100000"/>
-              </a:lnSpc>
-              <a:buBlip>
-                <a:blip r:embed="rId3"/>
-              </a:buBlip>
-            </a:pPr>
-            <a:endParaRPr lang="en-US" sz="1800" b="0" strike="noStrike" spc="-1">
-              <a:solidFill>
-                <a:srgbClr val="000000"/>
-              </a:solidFill>
-              <a:uFill>
-                <a:solidFill>
-                  <a:srgbClr val="FFFFFF"/>
-                </a:solidFill>
-              </a:uFill>
-              <a:latin typeface="DejaVu Sans Mono"/>
-            </a:endParaRPr>
-          </a:p>
-          <a:p>
-            <a:pPr marL="343080" indent="-342360">
-              <a:lnSpc>
-                <a:spcPct val="100000"/>
-              </a:lnSpc>
-              <a:buBlip>
-                <a:blip r:embed="rId3"/>
-              </a:buBlip>
-            </a:pPr>
-            <a:r>
-              <a:rPr lang="en-US" sz="2400" b="0" strike="noStrike" spc="-1">
-                <a:solidFill>
-                  <a:srgbClr val="404040"/>
-                </a:solidFill>
-                <a:uFill>
-                  <a:solidFill>
-                    <a:srgbClr val="FFFFFF"/>
-                  </a:solidFill>
-                </a:uFill>
-                <a:latin typeface="Qualcomm Office Regular"/>
-              </a:rPr>
-              <a:t>ifio_simpledisplay(width,height,framerate,details)</a:t>
-            </a:r>
-            <a:endParaRPr lang="en-US" sz="1800" b="0" strike="noStrike" spc="-1">
-              <a:solidFill>
-                <a:srgbClr val="000000"/>
-              </a:solidFill>
-              <a:uFill>
-                <a:solidFill>
-                  <a:srgbClr val="FFFFFF"/>
-                </a:solidFill>
-              </a:uFill>
-              <a:latin typeface="DejaVu Sans Mono"/>
-            </a:endParaRPr>
-          </a:p>
-          <a:p>
-            <a:pPr marL="432000" lvl="1" indent="-216000">
-              <a:lnSpc>
-                <a:spcPct val="100000"/>
-              </a:lnSpc>
-              <a:buClr>
-                <a:srgbClr val="000000"/>
-              </a:buClr>
-              <a:buSzPct val="45000"/>
-              <a:buFont typeface="Wingdings" charset="2"/>
-              <a:buChar char=""/>
-            </a:pPr>
-            <a:r>
-              <a:rPr lang="en-US" sz="2400" b="0" strike="noStrike" spc="-1">
-                <a:solidFill>
-                  <a:srgbClr val="404040"/>
-                </a:solidFill>
-                <a:uFill>
-                  <a:solidFill>
-                    <a:srgbClr val="FFFFFF"/>
-                  </a:solidFill>
-                </a:uFill>
-                <a:latin typeface="Qualcomm Office Regular"/>
-              </a:rPr>
-              <a:t>make a width x height display @ framerate, other args in “details”</a:t>
-            </a:r>
-            <a:endParaRPr lang="en-US" sz="1800" b="0" strike="noStrike" spc="-1">
-              <a:solidFill>
-                <a:srgbClr val="000000"/>
-              </a:solidFill>
-              <a:uFill>
-                <a:solidFill>
-                  <a:srgbClr val="FFFFFF"/>
-                </a:solidFill>
-              </a:uFill>
-              <a:latin typeface="DejaVu Sans Mono"/>
-            </a:endParaRPr>
-          </a:p>
-          <a:p>
-            <a:pPr marL="343080" indent="-342360">
-              <a:lnSpc>
-                <a:spcPct val="100000"/>
-              </a:lnSpc>
-              <a:buBlip>
-                <a:blip r:embed="rId3"/>
-              </a:buBlip>
-            </a:pPr>
-            <a:r>
-              <a:rPr lang="en-US" sz="2400" b="0" strike="noStrike" spc="-1">
-                <a:solidFill>
-                  <a:srgbClr val="404040"/>
-                </a:solidFill>
-                <a:uFill>
-                  <a:solidFill>
-                    <a:srgbClr val="FFFFFF"/>
-                  </a:solidFill>
-                </a:uFill>
-                <a:latin typeface="Qualcomm Office Regular"/>
-              </a:rPr>
-              <a:t>ifio_display()</a:t>
-            </a:r>
-            <a:endParaRPr lang="en-US" sz="1800" b="0" strike="noStrike" spc="-1">
-              <a:solidFill>
-                <a:srgbClr val="000000"/>
-              </a:solidFill>
-              <a:uFill>
-                <a:solidFill>
-                  <a:srgbClr val="FFFFFF"/>
-                </a:solidFill>
-              </a:uFill>
-              <a:latin typeface="DejaVu Sans Mono"/>
-            </a:endParaRPr>
-          </a:p>
-          <a:p>
-            <a:pPr marL="432000" lvl="1" indent="-216000">
-              <a:lnSpc>
-                <a:spcPct val="100000"/>
-              </a:lnSpc>
-              <a:buClr>
-                <a:srgbClr val="000000"/>
-              </a:buClr>
-              <a:buSzPct val="45000"/>
-              <a:buFont typeface="Wingdings" charset="2"/>
-              <a:buChar char=""/>
-            </a:pPr>
-            <a:r>
-              <a:rPr lang="en-US" sz="2400" b="0" strike="noStrike" spc="-1">
-                <a:solidFill>
-                  <a:srgbClr val="404040"/>
-                </a:solidFill>
-                <a:uFill>
-                  <a:solidFill>
-                    <a:srgbClr val="FFFFFF"/>
-                  </a:solidFill>
-                </a:uFill>
-                <a:latin typeface="Qualcomm Office Regular"/>
-              </a:rPr>
-              <a:t>“Advanced” version of simpledisplay (details omitted)</a:t>
-            </a:r>
-            <a:endParaRPr lang="en-US" sz="1800" b="0" strike="noStrike" spc="-1">
-              <a:solidFill>
-                <a:srgbClr val="000000"/>
-              </a:solidFill>
-              <a:uFill>
-                <a:solidFill>
-                  <a:srgbClr val="FFFFFF"/>
-                </a:solidFill>
-              </a:uFill>
-              <a:latin typeface="DejaVu Sans Mono"/>
-            </a:endParaRPr>
-          </a:p>
-          <a:p>
-            <a:pPr marL="343080" indent="-342360">
-              <a:lnSpc>
-                <a:spcPct val="100000"/>
-              </a:lnSpc>
-              <a:buBlip>
-                <a:blip r:embed="rId3"/>
-              </a:buBlip>
-            </a:pPr>
-            <a:r>
-              <a:rPr lang="en-US" sz="2400" b="0" strike="noStrike" spc="-1">
-                <a:solidFill>
-                  <a:srgbClr val="404040"/>
-                </a:solidFill>
-                <a:uFill>
-                  <a:solidFill>
-                    <a:srgbClr val="FFFFFF"/>
-                  </a:solidFill>
-                </a:uFill>
-                <a:latin typeface="Qualcomm Office Regular"/>
-              </a:rPr>
-              <a:t>ifio_printf(formaSame as simpledisplay except t_string,arg_description)</a:t>
-            </a:r>
-            <a:endParaRPr lang="en-US" sz="1800" b="0" strike="noStrike" spc="-1">
-              <a:solidFill>
-                <a:srgbClr val="000000"/>
-              </a:solidFill>
-              <a:uFill>
-                <a:solidFill>
-                  <a:srgbClr val="FFFFFF"/>
-                </a:solidFill>
-              </a:uFill>
-              <a:latin typeface="DejaVu Sans Mono"/>
-            </a:endParaRPr>
-          </a:p>
-          <a:p>
-            <a:pPr marL="432000" lvl="1" indent="-216000">
-              <a:lnSpc>
-                <a:spcPct val="100000"/>
-              </a:lnSpc>
-              <a:buClr>
-                <a:srgbClr val="000000"/>
-              </a:buClr>
-              <a:buSzPct val="45000"/>
-              <a:buFont typeface="Wingdings" charset="2"/>
-              <a:buChar char=""/>
-            </a:pPr>
-            <a:r>
-              <a:rPr lang="en-US" sz="2400" b="0" strike="noStrike" spc="-1">
-                <a:solidFill>
-                  <a:srgbClr val="404040"/>
-                </a:solidFill>
-                <a:uFill>
-                  <a:solidFill>
-                    <a:srgbClr val="FFFFFF"/>
-                  </a:solidFill>
-                </a:uFill>
-                <a:latin typeface="Qualcomm Office Regular"/>
-              </a:rPr>
-              <a:t>Prints data to CPU stdout on any clock cycle where “enable” line is 1</a:t>
-            </a:r>
-            <a:endParaRPr lang="en-US" sz="1800" b="0" strike="noStrike" spc="-1">
-              <a:solidFill>
-                <a:srgbClr val="000000"/>
-              </a:solidFill>
-              <a:uFill>
-                <a:solidFill>
-                  <a:srgbClr val="FFFFFF"/>
-                </a:solidFill>
-              </a:uFill>
-              <a:latin typeface="DejaVu Sans Mono"/>
-            </a:endParaRPr>
-          </a:p>
-          <a:p>
-            <a:pPr marL="343080" indent="-342360">
-              <a:lnSpc>
-                <a:spcPct val="100000"/>
-              </a:lnSpc>
-              <a:buBlip>
-                <a:blip r:embed="rId3"/>
-              </a:buBlip>
-            </a:pPr>
-            <a:r>
-              <a:rPr lang="en-US" sz="2400" b="0" strike="noStrike" spc="-1">
-                <a:solidFill>
-                  <a:srgbClr val="404040"/>
-                </a:solidFill>
-                <a:uFill>
-                  <a:solidFill>
-                    <a:srgbClr val="FFFFFF"/>
-                  </a:solidFill>
-                </a:uFill>
-                <a:latin typeface="Qualcomm Office Regular"/>
-              </a:rPr>
-              <a:t>ifio_stream_process(“file_in.txt”,”file_out.txt”)</a:t>
-            </a:r>
-            <a:endParaRPr lang="en-US" sz="1800" b="0" strike="noStrike" spc="-1">
-              <a:solidFill>
-                <a:srgbClr val="000000"/>
-              </a:solidFill>
-              <a:uFill>
-                <a:solidFill>
-                  <a:srgbClr val="FFFFFF"/>
-                </a:solidFill>
-              </a:uFill>
-              <a:latin typeface="DejaVu Sans Mono"/>
-            </a:endParaRPr>
-          </a:p>
-          <a:p>
-            <a:pPr marL="432000" lvl="1" indent="-216000">
-              <a:lnSpc>
-                <a:spcPct val="100000"/>
-              </a:lnSpc>
-              <a:buClr>
-                <a:srgbClr val="000000"/>
-              </a:buClr>
-              <a:buSzPct val="45000"/>
-              <a:buFont typeface="Wingdings" charset="2"/>
-              <a:buChar char=""/>
-            </a:pPr>
-            <a:r>
-              <a:rPr lang="en-US" sz="2400" b="0" strike="noStrike" spc="-1">
-                <a:solidFill>
-                  <a:srgbClr val="404040"/>
-                </a:solidFill>
-                <a:uFill>
-                  <a:solidFill>
-                    <a:srgbClr val="FFFFFF"/>
-                  </a:solidFill>
-                </a:uFill>
-                <a:latin typeface="Qualcomm Office Regular"/>
-              </a:rPr>
-              <a:t>Exposes data from “file_in.txt” to FPGA whenever FPGA sets “ready”</a:t>
-            </a:r>
-            <a:endParaRPr lang="en-US" sz="1800" b="0" strike="noStrike" spc="-1">
-              <a:solidFill>
-                <a:srgbClr val="000000"/>
-              </a:solidFill>
-              <a:uFill>
-                <a:solidFill>
-                  <a:srgbClr val="FFFFFF"/>
-                </a:solidFill>
-              </a:uFill>
-              <a:latin typeface="DejaVu Sans Mono"/>
-            </a:endParaRPr>
-          </a:p>
-          <a:p>
-            <a:pPr marL="432000" lvl="1" indent="-216000">
-              <a:lnSpc>
-                <a:spcPct val="100000"/>
-              </a:lnSpc>
-              <a:buClr>
-                <a:srgbClr val="000000"/>
-              </a:buClr>
-              <a:buSzPct val="45000"/>
-              <a:buFont typeface="Wingdings" charset="2"/>
-              <a:buChar char=""/>
-            </a:pPr>
-            <a:r>
-              <a:rPr lang="en-US" sz="2400" b="0" strike="noStrike" spc="-1">
-                <a:solidFill>
-                  <a:srgbClr val="404040"/>
-                </a:solidFill>
-                <a:uFill>
-                  <a:solidFill>
-                    <a:srgbClr val="FFFFFF"/>
-                  </a:solidFill>
-                </a:uFill>
-                <a:latin typeface="Qualcomm Office Regular"/>
-              </a:rPr>
-              <a:t>Exposes FPGA output to “file_out.txt” whenever FPGA sets “valid”</a:t>
-            </a:r>
-            <a:endParaRPr lang="en-US" sz="1800" b="0" strike="noStrike" spc="-1">
-              <a:solidFill>
-                <a:srgbClr val="000000"/>
-              </a:solidFill>
-              <a:uFill>
-                <a:solidFill>
-                  <a:srgbClr val="FFFFFF"/>
-                </a:solidFill>
-              </a:uFill>
-              <a:latin typeface="DejaVu Sans Mono"/>
-            </a:endParaRPr>
-          </a:p>
-          <a:p>
-            <a:pPr marL="343080" indent="-342360">
-              <a:lnSpc>
-                <a:spcPct val="100000"/>
-              </a:lnSpc>
-              <a:buBlip>
-                <a:blip r:embed="rId3"/>
-              </a:buBlip>
-            </a:pPr>
-            <a:r>
-              <a:rPr lang="en-US" sz="2400" b="0" strike="noStrike" spc="-1">
-                <a:solidFill>
-                  <a:srgbClr val="404040"/>
-                </a:solidFill>
-                <a:uFill>
-                  <a:solidFill>
-                    <a:srgbClr val="FFFFFF"/>
-                  </a:solidFill>
-                </a:uFill>
-                <a:latin typeface="Qualcomm Office Regular"/>
-              </a:rPr>
-              <a:t>+ more communication patterns?</a:t>
-            </a:r>
-            <a:endParaRPr lang="en-US" sz="1800" b="0" strike="noStrike" spc="-1">
-              <a:solidFill>
-                <a:srgbClr val="000000"/>
-              </a:solidFill>
-              <a:uFill>
-                <a:solidFill>
-                  <a:srgbClr val="FFFFFF"/>
-                </a:solidFill>
-              </a:uFill>
-              <a:latin typeface="DejaVu Sans Mono"/>
-            </a:endParaRPr>
-          </a:p>
-          <a:p>
-            <a:pPr>
-              <a:lnSpc>
-                <a:spcPct val="100000"/>
-              </a:lnSpc>
-            </a:pPr>
-            <a:endParaRPr lang="en-US" sz="1800" b="0" strike="noStrike" spc="-1">
+            <a:endParaRPr lang="en-US" sz="1800" b="0" strike="noStrike" spc="-1" dirty="0">
               <a:solidFill>
                 <a:srgbClr val="000000"/>
               </a:solidFill>
@@ -18208,13 +17757,13 @@
       </p:sp>
       <p:sp>
         <p:nvSpPr>
-          <p:cNvPr id="230" name="CustomShape 2"/>
+          <p:cNvPr id="234" name="CustomShape 2"/>
           <p:cNvSpPr/>
           <p:nvPr/>
         </p:nvSpPr>
         <p:spPr>
           <a:xfrm>
-            <a:off x="283320" y="742320"/>
+            <a:off x="283320" y="736560"/>
             <a:ext cx="11429280" cy="507240"/>
           </a:xfrm>
           <a:prstGeom prst="rect">
@@ -18247,7 +17796,7 @@
               </a:lnSpc>
             </a:pPr>
             <a:r>
-              <a:rPr lang="en-US" sz="3600" b="0" strike="noStrike" spc="-1">
+              <a:rPr lang="en-US" sz="3600" b="0" strike="noStrike" spc="-1" dirty="0" err="1">
                 <a:solidFill>
                   <a:srgbClr val="595959"/>
                 </a:solidFill>
@@ -18258,12 +17807,555 @@
                 </a:uFill>
                 <a:latin typeface="Qualcomm Office Regular"/>
               </a:rPr>
-              <a:t>Icestick Fast-IO Library API</a:t>
-            </a:r>
-            <a:endParaRPr lang="en-US" sz="1800" b="0" strike="noStrike" spc="-1">
-              <a:solidFill>
-                <a:srgbClr val="000000"/>
-              </a:solidFill>
+              <a:t>Printf</a:t>
+            </a:r>
+            <a:r>
+              <a:rPr lang="en-US" sz="3600" b="0" strike="noStrike" spc="-1" dirty="0">
+                <a:solidFill>
+                  <a:srgbClr val="595959"/>
+                </a:solidFill>
+                <a:uFill>
+                  <a:solidFill>
+                    <a:srgbClr val="FFFFFF"/>
+                  </a:solidFill>
+                </a:uFill>
+                <a:latin typeface="Qualcomm Office Regular"/>
+              </a:rPr>
+              <a:t> flow chart</a:t>
+            </a:r>
+            <a:endParaRPr lang="en-US" sz="1800" b="0" strike="noStrike" spc="-1" dirty="0">
+              <a:solidFill>
+                <a:srgbClr val="000000"/>
+              </a:solidFill>
+              <a:uFill>
+                <a:solidFill>
+                  <a:srgbClr val="FFFFFF"/>
+                </a:solidFill>
+              </a:uFill>
+              <a:latin typeface="DejaVu Sans Mono"/>
+            </a:endParaRPr>
+          </a:p>
+        </p:txBody>
+      </p:sp>
+      <p:sp>
+        <p:nvSpPr>
+          <p:cNvPr id="235" name="CustomShape 3"/>
+          <p:cNvSpPr/>
+          <p:nvPr/>
+        </p:nvSpPr>
+        <p:spPr>
+          <a:xfrm>
+            <a:off x="283320" y="1426320"/>
+            <a:ext cx="11429280" cy="350280"/>
+          </a:xfrm>
+          <a:prstGeom prst="rect">
+            <a:avLst/>
+          </a:prstGeom>
+          <a:noFill/>
+          <a:ln>
+            <a:noFill/>
+          </a:ln>
+        </p:spPr>
+        <p:style>
+          <a:lnRef idx="0">
+            <a:scrgbClr r="0" g="0" b="0"/>
+          </a:lnRef>
+          <a:fillRef idx="0">
+            <a:scrgbClr r="0" g="0" b="0"/>
+          </a:fillRef>
+          <a:effectRef idx="0">
+            <a:scrgbClr r="0" g="0" b="0"/>
+          </a:effectRef>
+          <a:fontRef idx="minor"/>
+        </p:style>
+        <p:txBody>
+          <a:bodyPr lIns="90000" tIns="0" rIns="90000" bIns="0"/>
+          <a:lstStyle/>
+          <a:p>
+            <a:pPr>
+              <a:lnSpc>
+                <a:spcPct val="100000"/>
+              </a:lnSpc>
+            </a:pPr>
+            <a:r>
+              <a:rPr lang="en-US" sz="2400" b="0" strike="noStrike" spc="-1" dirty="0">
+                <a:solidFill>
+                  <a:srgbClr val="00ACBD"/>
+                </a:solidFill>
+                <a:uFill>
+                  <a:solidFill>
+                    <a:srgbClr val="FFFFFF"/>
+                  </a:solidFill>
+                </a:uFill>
+                <a:latin typeface="Qualcomm Office Regular"/>
+              </a:rPr>
+              <a:t>Example compilation flow</a:t>
+            </a:r>
+            <a:endParaRPr lang="en-US" sz="1800" b="0" strike="noStrike" spc="-1" dirty="0">
+              <a:solidFill>
+                <a:srgbClr val="000000"/>
+              </a:solidFill>
+              <a:uFill>
+                <a:solidFill>
+                  <a:srgbClr val="FFFFFF"/>
+                </a:solidFill>
+              </a:uFill>
+              <a:latin typeface="DejaVu Sans Mono"/>
+            </a:endParaRPr>
+          </a:p>
+        </p:txBody>
+      </p:sp>
+      <p:pic>
+        <p:nvPicPr>
+          <p:cNvPr id="3" name="Picture 2"/>
+          <p:cNvPicPr>
+            <a:picLocks noChangeAspect="1"/>
+          </p:cNvPicPr>
+          <p:nvPr/>
+        </p:nvPicPr>
+        <p:blipFill>
+          <a:blip r:embed="rId4">
+            <a:extLst>
+              <a:ext uri="{28A0092B-C50C-407E-A947-70E740481C1C}">
+                <a14:useLocalDpi xmlns:a14="http://schemas.microsoft.com/office/drawing/2010/main" val="0"/>
+              </a:ext>
+            </a:extLst>
+          </a:blip>
+          <a:stretch>
+            <a:fillRect/>
+          </a:stretch>
+        </p:blipFill>
+        <p:spPr>
+          <a:xfrm>
+            <a:off x="4797467" y="525515"/>
+            <a:ext cx="7221255" cy="6332485"/>
+          </a:xfrm>
+          <a:prstGeom prst="rect">
+            <a:avLst/>
+          </a:prstGeom>
+        </p:spPr>
+      </p:pic>
+      <p:sp>
+        <p:nvSpPr>
+          <p:cNvPr id="10" name="CustomShape 1"/>
+          <p:cNvSpPr/>
+          <p:nvPr/>
+        </p:nvSpPr>
+        <p:spPr>
+          <a:xfrm>
+            <a:off x="446880" y="1958880"/>
+            <a:ext cx="4225328" cy="4477320"/>
+          </a:xfrm>
+          <a:prstGeom prst="rect">
+            <a:avLst/>
+          </a:prstGeom>
+          <a:noFill/>
+          <a:ln>
+            <a:noFill/>
+          </a:ln>
+        </p:spPr>
+        <p:style>
+          <a:lnRef idx="0">
+            <a:scrgbClr r="0" g="0" b="0"/>
+          </a:lnRef>
+          <a:fillRef idx="0">
+            <a:scrgbClr r="0" g="0" b="0"/>
+          </a:fillRef>
+          <a:effectRef idx="0">
+            <a:scrgbClr r="0" g="0" b="0"/>
+          </a:effectRef>
+          <a:fontRef idx="minor"/>
+        </p:style>
+        <p:txBody>
+          <a:bodyPr lIns="90000" tIns="45000" rIns="90000" bIns="45000"/>
+          <a:lstStyle/>
+          <a:p>
+            <a:pPr marL="343080" indent="-342360">
+              <a:lnSpc>
+                <a:spcPct val="100000"/>
+              </a:lnSpc>
+              <a:buBlip>
+                <a:blip r:embed="rId3"/>
+              </a:buBlip>
+            </a:pPr>
+            <a:endParaRPr lang="en-US" sz="1800" b="0" strike="noStrike" spc="-1" dirty="0">
+              <a:solidFill>
+                <a:srgbClr val="000000"/>
+              </a:solidFill>
+              <a:uFill>
+                <a:solidFill>
+                  <a:srgbClr val="FFFFFF"/>
+                </a:solidFill>
+              </a:uFill>
+              <a:latin typeface="DejaVu Sans Mono"/>
+            </a:endParaRPr>
+          </a:p>
+        </p:txBody>
+      </p:sp>
+      <p:sp>
+        <p:nvSpPr>
+          <p:cNvPr id="11" name="CustomShape 1"/>
+          <p:cNvSpPr/>
+          <p:nvPr/>
+        </p:nvSpPr>
+        <p:spPr>
+          <a:xfrm>
+            <a:off x="446880" y="1958880"/>
+            <a:ext cx="4269169" cy="4477320"/>
+          </a:xfrm>
+          <a:prstGeom prst="rect">
+            <a:avLst/>
+          </a:prstGeom>
+          <a:noFill/>
+          <a:ln>
+            <a:noFill/>
+          </a:ln>
+        </p:spPr>
+        <p:style>
+          <a:lnRef idx="0">
+            <a:scrgbClr r="0" g="0" b="0"/>
+          </a:lnRef>
+          <a:fillRef idx="0">
+            <a:scrgbClr r="0" g="0" b="0"/>
+          </a:fillRef>
+          <a:effectRef idx="0">
+            <a:scrgbClr r="0" g="0" b="0"/>
+          </a:effectRef>
+          <a:fontRef idx="minor"/>
+        </p:style>
+        <p:txBody>
+          <a:bodyPr lIns="90000" tIns="45000" rIns="90000" bIns="45000"/>
+          <a:lstStyle/>
+          <a:p>
+            <a:pPr marL="343080" indent="-342360">
+              <a:lnSpc>
+                <a:spcPct val="100000"/>
+              </a:lnSpc>
+              <a:buBlip>
+                <a:blip r:embed="rId3"/>
+              </a:buBlip>
+            </a:pPr>
+            <a:r>
+              <a:rPr lang="en-US" sz="2400" spc="-1" dirty="0">
+                <a:uFill>
+                  <a:solidFill>
+                    <a:srgbClr val="FFFFFF"/>
+                  </a:solidFill>
+                </a:uFill>
+                <a:latin typeface="Qualcomm Office Regular"/>
+              </a:rPr>
+              <a:t>CPU side program</a:t>
+            </a:r>
+          </a:p>
+          <a:p>
+            <a:pPr marL="800280" lvl="1" indent="-342360">
+              <a:buBlip>
+                <a:blip r:embed="rId3"/>
+              </a:buBlip>
+            </a:pPr>
+            <a:r>
+              <a:rPr lang="en-US" sz="2400" spc="-1" dirty="0">
+                <a:uFill>
+                  <a:solidFill>
+                    <a:srgbClr val="FFFFFF"/>
+                  </a:solidFill>
+                </a:uFill>
+                <a:latin typeface="Qualcomm Office Regular"/>
+              </a:rPr>
+              <a:t>Hold bulk of message</a:t>
+            </a:r>
+          </a:p>
+          <a:p>
+            <a:pPr marL="800280" lvl="1" indent="-342360">
+              <a:buBlip>
+                <a:blip r:embed="rId3"/>
+              </a:buBlip>
+            </a:pPr>
+            <a:r>
+              <a:rPr lang="en-US" sz="2400" b="0" strike="noStrike" spc="-1" dirty="0">
+                <a:uFill>
+                  <a:solidFill>
+                    <a:srgbClr val="FFFFFF"/>
+                  </a:solidFill>
+                </a:uFill>
+                <a:latin typeface="Qualcomm Office Regular"/>
+              </a:rPr>
+              <a:t>Flatten pre-processed </a:t>
+            </a:r>
+            <a:r>
+              <a:rPr lang="en-US" sz="2400" b="0" strike="noStrike" spc="-1" dirty="0" err="1">
+                <a:uFill>
+                  <a:solidFill>
+                    <a:srgbClr val="FFFFFF"/>
+                  </a:solidFill>
+                </a:uFill>
+                <a:latin typeface="Qualcomm Office Regular"/>
+              </a:rPr>
+              <a:t>args</a:t>
+            </a:r>
+            <a:endParaRPr lang="en-US" sz="2400" b="0" strike="noStrike" spc="-1" dirty="0">
+              <a:uFill>
+                <a:solidFill>
+                  <a:srgbClr val="FFFFFF"/>
+                </a:solidFill>
+              </a:uFill>
+              <a:latin typeface="Qualcomm Office Regular"/>
+            </a:endParaRPr>
+          </a:p>
+          <a:p>
+            <a:pPr marL="800280" lvl="1" indent="-342360">
+              <a:buBlip>
+                <a:blip r:embed="rId3"/>
+              </a:buBlip>
+            </a:pPr>
+            <a:r>
+              <a:rPr lang="en-US" sz="2400" spc="-1" dirty="0" err="1">
+                <a:uFill>
+                  <a:solidFill>
+                    <a:srgbClr val="FFFFFF"/>
+                  </a:solidFill>
+                </a:uFill>
+                <a:latin typeface="Qualcomm Office Regular"/>
+              </a:rPr>
+              <a:t>Arg</a:t>
+            </a:r>
+            <a:r>
+              <a:rPr lang="en-US" sz="2400" spc="-1" dirty="0">
+                <a:uFill>
+                  <a:solidFill>
+                    <a:srgbClr val="FFFFFF"/>
+                  </a:solidFill>
+                </a:uFill>
+                <a:latin typeface="Qualcomm Office Regular"/>
+              </a:rPr>
+              <a:t> count &amp; </a:t>
+            </a:r>
+            <a:r>
+              <a:rPr lang="en-US" sz="2400" spc="-1" dirty="0" err="1">
+                <a:uFill>
+                  <a:solidFill>
+                    <a:srgbClr val="FFFFFF"/>
+                  </a:solidFill>
+                </a:uFill>
+                <a:latin typeface="Qualcomm Office Regular"/>
+              </a:rPr>
+              <a:t>bitwidth</a:t>
+            </a:r>
+            <a:endParaRPr lang="en-US" sz="2400" b="0" strike="noStrike" spc="-1" dirty="0">
+              <a:uFill>
+                <a:solidFill>
+                  <a:srgbClr val="FFFFFF"/>
+                </a:solidFill>
+              </a:uFill>
+              <a:latin typeface="Qualcomm Office Regular"/>
+            </a:endParaRPr>
+          </a:p>
+          <a:p>
+            <a:pPr marL="343080" indent="-342360">
+              <a:buBlip>
+                <a:blip r:embed="rId3"/>
+              </a:buBlip>
+            </a:pPr>
+            <a:r>
+              <a:rPr lang="en-US" sz="2400" b="0" strike="noStrike" spc="-1" dirty="0">
+                <a:uFill>
+                  <a:solidFill>
+                    <a:srgbClr val="FFFFFF"/>
+                  </a:solidFill>
+                </a:uFill>
+                <a:latin typeface="Qualcomm Office Regular"/>
+              </a:rPr>
+              <a:t>FPGA side program</a:t>
+            </a:r>
+          </a:p>
+          <a:p>
+            <a:pPr marL="800280" lvl="1" indent="-342360">
+              <a:buBlip>
+                <a:blip r:embed="rId3"/>
+              </a:buBlip>
+            </a:pPr>
+            <a:r>
+              <a:rPr lang="en-US" sz="2400" b="0" strike="noStrike" spc="-1" dirty="0">
+                <a:uFill>
+                  <a:solidFill>
+                    <a:srgbClr val="FFFFFF"/>
+                  </a:solidFill>
+                </a:uFill>
+                <a:latin typeface="Qualcomm Office Regular"/>
+              </a:rPr>
+              <a:t>Control header </a:t>
+            </a:r>
+          </a:p>
+          <a:p>
+            <a:pPr marL="1257480" lvl="2" indent="-342360">
+              <a:buBlip>
+                <a:blip r:embed="rId3"/>
+              </a:buBlip>
+            </a:pPr>
+            <a:r>
+              <a:rPr lang="en-US" sz="2400" spc="-1" dirty="0" err="1">
+                <a:uFill>
+                  <a:solidFill>
+                    <a:srgbClr val="FFFFFF"/>
+                  </a:solidFill>
+                </a:uFill>
+                <a:latin typeface="Qualcomm Office Regular"/>
+              </a:rPr>
+              <a:t>msg</a:t>
+            </a:r>
+            <a:r>
+              <a:rPr lang="en-US" sz="2400" spc="-1" dirty="0">
+                <a:uFill>
+                  <a:solidFill>
+                    <a:srgbClr val="FFFFFF"/>
+                  </a:solidFill>
+                </a:uFill>
+                <a:latin typeface="Qualcomm Office Regular"/>
+              </a:rPr>
+              <a:t> </a:t>
+            </a:r>
+            <a:r>
+              <a:rPr lang="en-US" sz="2400" spc="-1" dirty="0" err="1">
+                <a:uFill>
+                  <a:solidFill>
+                    <a:srgbClr val="FFFFFF"/>
+                  </a:solidFill>
+                </a:uFill>
+                <a:latin typeface="Qualcomm Office Regular"/>
+              </a:rPr>
+              <a:t>idx</a:t>
+            </a:r>
+            <a:r>
+              <a:rPr lang="en-US" sz="2400" spc="-1" dirty="0">
+                <a:uFill>
+                  <a:solidFill>
+                    <a:srgbClr val="FFFFFF"/>
+                  </a:solidFill>
+                </a:uFill>
+                <a:latin typeface="Qualcomm Office Regular"/>
+              </a:rPr>
+              <a:t> (tie w/CPU)</a:t>
+            </a:r>
+          </a:p>
+          <a:p>
+            <a:pPr marL="1257480" lvl="2" indent="-342360">
+              <a:buBlip>
+                <a:blip r:embed="rId3"/>
+              </a:buBlip>
+            </a:pPr>
+            <a:r>
+              <a:rPr lang="en-US" sz="2400" spc="-1" dirty="0">
+                <a:uFill>
+                  <a:solidFill>
+                    <a:srgbClr val="FFFFFF"/>
+                  </a:solidFill>
+                </a:uFill>
+                <a:latin typeface="Qualcomm Office Regular"/>
+              </a:rPr>
+              <a:t>Length</a:t>
+            </a:r>
+          </a:p>
+          <a:p>
+            <a:pPr marL="1257480" lvl="2" indent="-342360">
+              <a:buBlip>
+                <a:blip r:embed="rId3"/>
+              </a:buBlip>
+            </a:pPr>
+            <a:r>
+              <a:rPr lang="en-US" sz="2400" spc="-1" dirty="0">
+                <a:uFill>
+                  <a:solidFill>
+                    <a:srgbClr val="FFFFFF"/>
+                  </a:solidFill>
+                </a:uFill>
+                <a:latin typeface="Qualcomm Office Regular"/>
+              </a:rPr>
+              <a:t>Drop </a:t>
+            </a:r>
+            <a:r>
+              <a:rPr lang="en-US" sz="2400" spc="-1" dirty="0" err="1">
+                <a:uFill>
+                  <a:solidFill>
+                    <a:srgbClr val="FFFFFF"/>
+                  </a:solidFill>
+                </a:uFill>
+                <a:latin typeface="Qualcomm Office Regular"/>
+              </a:rPr>
+              <a:t>ind.</a:t>
+            </a:r>
+            <a:r>
+              <a:rPr lang="en-US" sz="2400" spc="-1" dirty="0">
+                <a:uFill>
+                  <a:solidFill>
+                    <a:srgbClr val="FFFFFF"/>
+                  </a:solidFill>
+                </a:uFill>
+                <a:latin typeface="Qualcomm Office Regular"/>
+              </a:rPr>
+              <a:t> (conflict)</a:t>
+            </a:r>
+          </a:p>
+          <a:p>
+            <a:pPr marL="800280" lvl="1" indent="-342360">
+              <a:buBlip>
+                <a:blip r:embed="rId3"/>
+              </a:buBlip>
+            </a:pPr>
+            <a:r>
+              <a:rPr lang="en-US" sz="2400" spc="-1" dirty="0">
+                <a:uFill>
+                  <a:solidFill>
+                    <a:srgbClr val="FFFFFF"/>
+                  </a:solidFill>
+                </a:uFill>
+                <a:latin typeface="Qualcomm Office Regular"/>
+              </a:rPr>
+              <a:t>Argument body</a:t>
+            </a:r>
+          </a:p>
+          <a:p>
+            <a:pPr marL="1257480" lvl="2" indent="-342360">
+              <a:buBlip>
+                <a:blip r:embed="rId3"/>
+              </a:buBlip>
+            </a:pPr>
+            <a:r>
+              <a:rPr lang="en-US" sz="2400" spc="-1" dirty="0">
+                <a:uFill>
+                  <a:solidFill>
+                    <a:srgbClr val="FFFFFF"/>
+                  </a:solidFill>
+                </a:uFill>
+                <a:latin typeface="Qualcomm Office Regular"/>
+              </a:rPr>
+              <a:t>Concatenated body</a:t>
+            </a:r>
+          </a:p>
+          <a:p>
+            <a:pPr marL="800280" lvl="1" indent="-342360">
+              <a:buBlip>
+                <a:blip r:embed="rId3"/>
+              </a:buBlip>
+            </a:pPr>
+            <a:r>
+              <a:rPr lang="en-US" sz="2400" b="0" strike="noStrike" spc="-1" dirty="0">
+                <a:uFill>
+                  <a:solidFill>
+                    <a:srgbClr val="FFFFFF"/>
+                  </a:solidFill>
+                </a:uFill>
+                <a:latin typeface="Qualcomm Office Regular"/>
+              </a:rPr>
+              <a:t>Print at some event</a:t>
+            </a:r>
+          </a:p>
+          <a:p>
+            <a:pPr marL="343080" indent="-342360">
+              <a:buBlip>
+                <a:blip r:embed="rId3"/>
+              </a:buBlip>
+            </a:pPr>
+            <a:endParaRPr lang="en-US" b="0" strike="noStrike" spc="-1" dirty="0">
               <a:uFill>
                 <a:solidFill>
                   <a:srgbClr val="FFFFFF"/>
@@ -18275,6 +18367,11 @@
         </p:txBody>
       </p:sp>
     </p:spTree>
+    <p:extLst>
+      <p:ext uri="{BB962C8B-B14F-4D97-AF65-F5344CB8AC3E}">
+        <p14:creationId xmlns:p14="http://schemas.microsoft.com/office/powerpoint/2010/main" val="859645876"/>
+      </p:ext>
+    </p:extLst>
   </p:cSld>
   <p:clrMapOvr>
     <a:masterClrMapping/>
@@ -18328,7 +18425,7 @@
       </p:grpSpPr>
       <p:sp>
         <p:nvSpPr>
-          <p:cNvPr id="231" name="CustomShape 1"/>
+          <p:cNvPr id="229" name="CustomShape 1"/>
           <p:cNvSpPr/>
           <p:nvPr/>
         </p:nvSpPr>
@@ -18370,7 +18467,21 @@
               </a:buBlip>
             </a:pPr>
             <a:r>
-              <a:rPr lang="en-US" sz="2400" b="0" strike="noStrike" spc="-1">
+              <a:rPr lang="en-US" sz="2400" b="0" strike="noStrike" spc="-1" dirty="0" err="1">
+                <a:solidFill>
+                  <a:srgbClr val="FF0000"/>
+                </a:solidFill>
+                <a:uFill>
+                  <a:solidFill>
+                    <a:srgbClr val="FFFFFF"/>
+                  </a:solidFill>
+                </a:uFill>
+                <a:latin typeface="Qualcomm Office Regular"/>
+              </a:rPr>
+              <a:t>ifio_connection</a:t>
+            </a:r>
+            <a:r>
+              <a:rPr lang="en-US" sz="2400" b="0" strike="noStrike" spc="-1" dirty="0">
                 <a:solidFill>
                   <a:srgbClr val="404040"/>
                 </a:solidFill>
@@ -18381,9 +18492,9 @@
                 </a:uFill>
                 <a:latin typeface="Qualcomm Office Regular"/>
               </a:rPr>
-              <a:t>Few choices for an I/O primitive to unmodified Icestick</a:t>
-            </a:r>
-            <a:endParaRPr lang="en-US" sz="1800" b="0" strike="noStrike" spc="-1">
+              <a:t>(...) </a:t>
+            </a:r>
+            <a:endParaRPr lang="en-US" spc="-1" dirty="0">
               <a:solidFill>
                 <a:srgbClr val="000000"/>
               </a:solidFill>
@@ -18396,18 +18507,13 @@
             </a:endParaRPr>
           </a:p>
           <a:p>
-            <a:pPr marL="743040" lvl="1" indent="-342360">
-              <a:lnSpc>
-                <a:spcPct val="100000"/>
-              </a:lnSpc>
-              <a:buClr>
-                <a:srgbClr val="E98306"/>
-              </a:buClr>
-              <a:buFont typeface="Calibre Regular"/>
-              <a:buChar char="−"/>
+            <a:pPr marL="800280" lvl="1" indent="-342360">
+              <a:buBlip>
+                <a:blip r:embed="rId3"/>
+              </a:buBlip>
             </a:pPr>
             <a:r>
-              <a:rPr lang="en-US" sz="2400" b="0" strike="noStrike" spc="-1">
+              <a:rPr lang="en-US" sz="2400" b="0" strike="noStrike" spc="-1" dirty="0">
                 <a:solidFill>
                   <a:srgbClr val="404040"/>
                 </a:solidFill>
@@ -18418,46 +18524,9 @@
                 </a:uFill>
                 <a:latin typeface="Qualcomm Office Regular"/>
               </a:rPr>
-              <a:t>Fast reliable UART</a:t>
-            </a:r>
-            <a:endParaRPr lang="en-US" sz="1800" b="0" strike="noStrike" spc="-1">
-              <a:solidFill>
-                <a:srgbClr val="000000"/>
-              </a:solidFill>
-              <a:uFill>
-                <a:solidFill>
-                  <a:srgbClr val="FFFFFF"/>
-                </a:solidFill>
-              </a:uFill>
-              <a:latin typeface="DejaVu Sans Mono"/>
-            </a:endParaRPr>
-          </a:p>
-          <a:p>
-            <a:pPr marL="743040" lvl="1" indent="-342360">
-              <a:lnSpc>
-                <a:spcPct val="100000"/>
-              </a:lnSpc>
-              <a:buClr>
-                <a:srgbClr val="E98306"/>
-              </a:buClr>
-              <a:buFont typeface="Calibre Regular"/>
-              <a:buChar char="−"/>
-            </a:pPr>
-            <a:r>
-              <a:rPr lang="en-US" sz="2400" b="0" strike="noStrike" spc="-1">
-                <a:solidFill>
-                  <a:srgbClr val="404040"/>
-                </a:solidFill>
-                <a:uFill>
-                  <a:solidFill>
-                    <a:srgbClr val="FFFFFF"/>
-                  </a:solidFill>
-                </a:uFill>
-                <a:latin typeface="Qualcomm Office Regular"/>
-              </a:rPr>
-              <a:t>Library abstracts away I/O primitive</a:t>
-            </a:r>
-            <a:endParaRPr lang="en-US" sz="1800" b="0" strike="noStrike" spc="-1">
+              <a:t>Define connection properties. Pass result as argument to below:</a:t>
+            </a:r>
+            <a:endParaRPr lang="en-US" sz="1800" b="0" strike="noStrike" spc="-1" dirty="0">
               <a:solidFill>
                 <a:srgbClr val="000000"/>
               </a:solidFill>
@@ -18479,7 +18548,21 @@
               </a:buBlip>
             </a:pPr>
             <a:r>
-              <a:rPr lang="en-US" sz="2400" b="0" strike="noStrike" spc="-1">
+              <a:rPr lang="en-US" sz="2400" b="0" strike="noStrike" spc="-1" dirty="0" err="1">
+                <a:solidFill>
+                  <a:srgbClr val="FF0000"/>
+                </a:solidFill>
+                <a:uFill>
+                  <a:solidFill>
+                    <a:srgbClr val="FFFFFF"/>
+                  </a:solidFill>
+                </a:uFill>
+                <a:latin typeface="Qualcomm Office Regular"/>
+              </a:rPr>
+              <a:t>ifio_simpledisplay</a:t>
+            </a:r>
+            <a:r>
+              <a:rPr lang="en-US" sz="2400" b="0" strike="noStrike" spc="-1" dirty="0">
                 <a:solidFill>
                   <a:srgbClr val="404040"/>
                 </a:solidFill>
@@ -18490,9 +18573,37 @@
                 </a:uFill>
                 <a:latin typeface="Qualcomm Office Regular"/>
               </a:rPr>
-              <a:t>Complex semantics of different communication patterns</a:t>
-            </a:r>
-            <a:endParaRPr lang="en-US" sz="1800" b="0" strike="noStrike" spc="-1">
+              <a:t>(</a:t>
+            </a:r>
+            <a:r>
+              <a:rPr lang="en-US" sz="2400" b="0" strike="noStrike" spc="-1" dirty="0" err="1">
+                <a:solidFill>
+                  <a:srgbClr val="404040"/>
+                </a:solidFill>
+                <a:uFill>
+                  <a:solidFill>
+                    <a:srgbClr val="FFFFFF"/>
+                  </a:solidFill>
+                </a:uFill>
+                <a:latin typeface="Qualcomm Office Regular"/>
+              </a:rPr>
+              <a:t>width,height,framerate,details</a:t>
+            </a:r>
+            <a:r>
+              <a:rPr lang="en-US" sz="2400" b="0" strike="noStrike" spc="-1" dirty="0">
+                <a:solidFill>
+                  <a:srgbClr val="404040"/>
+                </a:solidFill>
+                <a:uFill>
+                  <a:solidFill>
+                    <a:srgbClr val="FFFFFF"/>
+                  </a:solidFill>
+                </a:uFill>
+                <a:latin typeface="Qualcomm Office Regular"/>
+              </a:rPr>
+              <a:t>)</a:t>
+            </a:r>
+            <a:endParaRPr lang="en-US" spc="-1" dirty="0">
               <a:solidFill>
                 <a:srgbClr val="000000"/>
               </a:solidFill>
@@ -18505,18 +18616,90 @@
             </a:endParaRPr>
           </a:p>
           <a:p>
-            <a:pPr marL="743040" lvl="1" indent="-342360">
+            <a:pPr marL="800280" lvl="1" indent="-342360">
+              <a:buBlip>
+                <a:blip r:embed="rId3"/>
+              </a:buBlip>
+            </a:pPr>
+            <a:r>
+              <a:rPr lang="en-US" sz="2400" b="0" strike="noStrike" spc="-1" dirty="0">
+                <a:solidFill>
+                  <a:srgbClr val="404040"/>
+                </a:solidFill>
+                <a:uFill>
+                  <a:solidFill>
+                    <a:srgbClr val="FFFFFF"/>
+                  </a:solidFill>
+                </a:uFill>
+                <a:latin typeface="Qualcomm Office Regular"/>
+              </a:rPr>
+              <a:t>make a width x height display @ framerate, other </a:t>
+            </a:r>
+            <a:r>
+              <a:rPr lang="en-US" sz="2400" b="0" strike="noStrike" spc="-1" dirty="0" err="1">
+                <a:solidFill>
+                  <a:srgbClr val="404040"/>
+                </a:solidFill>
+                <a:uFill>
+                  <a:solidFill>
+                    <a:srgbClr val="FFFFFF"/>
+                  </a:solidFill>
+                </a:uFill>
+                <a:latin typeface="Qualcomm Office Regular"/>
+              </a:rPr>
+              <a:t>args</a:t>
+            </a:r>
+            <a:r>
+              <a:rPr lang="en-US" sz="2400" b="0" strike="noStrike" spc="-1" dirty="0">
+                <a:solidFill>
+                  <a:srgbClr val="404040"/>
+                </a:solidFill>
+                <a:uFill>
+                  <a:solidFill>
+                    <a:srgbClr val="FFFFFF"/>
+                  </a:solidFill>
+                </a:uFill>
+                <a:latin typeface="Qualcomm Office Regular"/>
+              </a:rPr>
+              <a:t> in “details”</a:t>
+            </a:r>
+            <a:endParaRPr lang="en-US" b="0" strike="noStrike" spc="-1" dirty="0">
+              <a:solidFill>
+                <a:srgbClr val="000000"/>
+              </a:solidFill>
+              <a:uFill>
+                <a:solidFill>
+                  <a:srgbClr val="FFFFFF"/>
+                </a:solidFill>
+              </a:uFill>
+              <a:latin typeface="DejaVu Sans Mono"/>
+            </a:endParaRPr>
+          </a:p>
+          <a:p>
+            <a:pPr marL="343080" indent="-342360">
               <a:lnSpc>
                 <a:spcPct val="100000"/>
               </a:lnSpc>
-              <a:buClr>
-                <a:srgbClr val="E98306"/>
-              </a:buClr>
-              <a:buFont typeface="Calibre Regular"/>
-              <a:buChar char="−"/>
+              <a:buBlip>
+                <a:blip r:embed="rId3"/>
+              </a:buBlip>
             </a:pPr>
             <a:r>
-              <a:rPr lang="en-US" sz="2400" b="0" strike="noStrike" spc="-1">
+              <a:rPr lang="en-US" sz="2400" b="0" strike="noStrike" spc="-1" dirty="0" err="1">
+                <a:solidFill>
+                  <a:srgbClr val="FF0000"/>
+                </a:solidFill>
+                <a:uFill>
+                  <a:solidFill>
+                    <a:srgbClr val="FFFFFF"/>
+                  </a:solidFill>
+                </a:uFill>
+                <a:latin typeface="Qualcomm Office Regular"/>
+              </a:rPr>
+              <a:t>ifio_display</a:t>
+            </a:r>
+            <a:r>
+              <a:rPr lang="en-US" sz="2400" b="0" strike="noStrike" spc="-1" dirty="0">
                 <a:solidFill>
                   <a:srgbClr val="404040"/>
                 </a:solidFill>
@@ -18527,9 +18710,58 @@
                 </a:uFill>
                 <a:latin typeface="Qualcomm Office Regular"/>
               </a:rPr>
-              <a:t>Library API is specialized for a set of common patterns</a:t>
-            </a:r>
-            <a:endParaRPr lang="en-US" sz="1800" b="0" strike="noStrike" spc="-1">
+              <a:t>()</a:t>
+            </a:r>
+          </a:p>
+          <a:p>
+            <a:pPr marL="800280" lvl="1" indent="-342360">
+              <a:buBlip>
+                <a:blip r:embed="rId3"/>
+              </a:buBlip>
+            </a:pPr>
+            <a:r>
+              <a:rPr lang="en-US" sz="2400" b="0" strike="noStrike" spc="-1" dirty="0">
+                <a:solidFill>
+                  <a:srgbClr val="404040"/>
+                </a:solidFill>
+                <a:uFill>
+                  <a:solidFill>
+                    <a:srgbClr val="FFFFFF"/>
+                  </a:solidFill>
+                </a:uFill>
+                <a:latin typeface="Qualcomm Office Regular"/>
+              </a:rPr>
+              <a:t>“Advanced” version of </a:t>
+            </a:r>
+            <a:r>
+              <a:rPr lang="en-US" sz="2400" b="0" strike="noStrike" spc="-1" dirty="0" err="1">
+                <a:solidFill>
+                  <a:srgbClr val="404040"/>
+                </a:solidFill>
+                <a:uFill>
+                  <a:solidFill>
+                    <a:srgbClr val="FFFFFF"/>
+                  </a:solidFill>
+                </a:uFill>
+                <a:latin typeface="Qualcomm Office Regular"/>
+              </a:rPr>
+              <a:t>simpledisplay</a:t>
+            </a:r>
+            <a:r>
+              <a:rPr lang="en-US" sz="2400" b="0" strike="noStrike" spc="-1" dirty="0">
+                <a:solidFill>
+                  <a:srgbClr val="404040"/>
+                </a:solidFill>
+                <a:uFill>
+                  <a:solidFill>
+                    <a:srgbClr val="FFFFFF"/>
+                  </a:solidFill>
+                </a:uFill>
+                <a:latin typeface="Qualcomm Office Regular"/>
+              </a:rPr>
+              <a:t> (details omitted)</a:t>
+            </a:r>
+            <a:endParaRPr lang="en-US" b="0" strike="noStrike" spc="-1" dirty="0">
               <a:solidFill>
                 <a:srgbClr val="000000"/>
               </a:solidFill>
@@ -18542,18 +18774,30 @@
             </a:endParaRPr>
           </a:p>
           <a:p>
-            <a:pPr marL="743040" lvl="1" indent="-342360">
+            <a:pPr marL="343080" indent="-342360">
               <a:lnSpc>
                 <a:spcPct val="100000"/>
               </a:lnSpc>
-              <a:buClr>
-                <a:srgbClr val="E98306"/>
-              </a:buClr>
-              <a:buFont typeface="Calibre Regular"/>
-              <a:buChar char="−"/>
+              <a:buBlip>
+                <a:blip r:embed="rId3"/>
+              </a:buBlip>
             </a:pPr>
             <a:r>
-              <a:rPr lang="en-US" sz="2400" b="0" strike="noStrike" spc="-1">
+              <a:rPr lang="en-US" sz="2400" b="0" strike="noStrike" spc="-1" dirty="0" err="1">
+                <a:solidFill>
+                  <a:srgbClr val="FF0000"/>
+                </a:solidFill>
+                <a:uFill>
+                  <a:solidFill>
+                    <a:srgbClr val="FFFFFF"/>
+                  </a:solidFill>
+                </a:uFill>
+                <a:latin typeface="Qualcomm Office Regular"/>
+              </a:rPr>
+              <a:t>ifio_printf</a:t>
+            </a:r>
+            <a:r>
+              <a:rPr lang="en-US" sz="2400" b="0" strike="noStrike" spc="-1" dirty="0">
                 <a:solidFill>
                   <a:srgbClr val="404040"/>
                 </a:solidFill>
@@ -18564,9 +18808,273 @@
                 </a:uFill>
                 <a:latin typeface="Qualcomm Office Regular"/>
               </a:rPr>
-              <a:t>Easy to use, at the expense of some flexibility</a:t>
-            </a:r>
-            <a:endParaRPr lang="en-US" sz="1800" b="0" strike="noStrike" spc="-1">
+              <a:t>(format </a:t>
+            </a:r>
+            <a:r>
+              <a:rPr lang="en-US" sz="2400" b="0" strike="noStrike" spc="-1" dirty="0" err="1">
+                <a:solidFill>
+                  <a:srgbClr val="404040"/>
+                </a:solidFill>
+                <a:uFill>
+                  <a:solidFill>
+                    <a:srgbClr val="FFFFFF"/>
+                  </a:solidFill>
+                </a:uFill>
+                <a:latin typeface="Qualcomm Office Regular"/>
+              </a:rPr>
+              <a:t>string,arg_description</a:t>
+            </a:r>
+            <a:r>
+              <a:rPr lang="en-US" sz="2400" b="0" strike="noStrike" spc="-1" dirty="0">
+                <a:solidFill>
+                  <a:srgbClr val="404040"/>
+                </a:solidFill>
+                <a:uFill>
+                  <a:solidFill>
+                    <a:srgbClr val="FFFFFF"/>
+                  </a:solidFill>
+                </a:uFill>
+                <a:latin typeface="Qualcomm Office Regular"/>
+              </a:rPr>
+              <a:t>)</a:t>
+            </a:r>
+            <a:endParaRPr lang="en-US" spc="-1" dirty="0">
+              <a:solidFill>
+                <a:srgbClr val="000000"/>
+              </a:solidFill>
+              <a:uFill>
+                <a:solidFill>
+                  <a:srgbClr val="FFFFFF"/>
+                </a:solidFill>
+              </a:uFill>
+              <a:latin typeface="DejaVu Sans Mono"/>
+            </a:endParaRPr>
+          </a:p>
+          <a:p>
+            <a:pPr marL="800280" lvl="1" indent="-342360">
+              <a:buBlip>
+                <a:blip r:embed="rId3"/>
+              </a:buBlip>
+            </a:pPr>
+            <a:r>
+              <a:rPr lang="en-US" sz="2400" b="0" strike="noStrike" spc="-1" dirty="0">
+                <a:solidFill>
+                  <a:srgbClr val="404040"/>
+                </a:solidFill>
+                <a:uFill>
+                  <a:solidFill>
+                    <a:srgbClr val="FFFFFF"/>
+                  </a:solidFill>
+                </a:uFill>
+                <a:latin typeface="Qualcomm Office Regular"/>
+              </a:rPr>
+              <a:t>Prints data to CPU </a:t>
+            </a:r>
+            <a:r>
+              <a:rPr lang="en-US" sz="2400" b="0" strike="noStrike" spc="-1" dirty="0" err="1">
+                <a:solidFill>
+                  <a:srgbClr val="404040"/>
+                </a:solidFill>
+                <a:uFill>
+                  <a:solidFill>
+                    <a:srgbClr val="FFFFFF"/>
+                  </a:solidFill>
+                </a:uFill>
+                <a:latin typeface="Qualcomm Office Regular"/>
+              </a:rPr>
+              <a:t>stdout</a:t>
+            </a:r>
+            <a:r>
+              <a:rPr lang="en-US" sz="2400" b="0" strike="noStrike" spc="-1" dirty="0">
+                <a:solidFill>
+                  <a:srgbClr val="404040"/>
+                </a:solidFill>
+                <a:uFill>
+                  <a:solidFill>
+                    <a:srgbClr val="FFFFFF"/>
+                  </a:solidFill>
+                </a:uFill>
+                <a:latin typeface="Qualcomm Office Regular"/>
+              </a:rPr>
+              <a:t> on any clock cycle where “valid” line transition -&gt; 1</a:t>
+            </a:r>
+            <a:endParaRPr lang="en-US" b="0" strike="noStrike" spc="-1" dirty="0">
+              <a:solidFill>
+                <a:srgbClr val="000000"/>
+              </a:solidFill>
+              <a:uFill>
+                <a:solidFill>
+                  <a:srgbClr val="FFFFFF"/>
+                </a:solidFill>
+              </a:uFill>
+              <a:latin typeface="DejaVu Sans Mono"/>
+            </a:endParaRPr>
+          </a:p>
+          <a:p>
+            <a:pPr marL="343080" indent="-342360">
+              <a:lnSpc>
+                <a:spcPct val="100000"/>
+              </a:lnSpc>
+              <a:buBlip>
+                <a:blip r:embed="rId3"/>
+              </a:buBlip>
+            </a:pPr>
+            <a:r>
+              <a:rPr lang="en-US" sz="2400" b="0" strike="noStrike" spc="-1" dirty="0" err="1">
+                <a:solidFill>
+                  <a:srgbClr val="FF0000"/>
+                </a:solidFill>
+                <a:uFill>
+                  <a:solidFill>
+                    <a:srgbClr val="FFFFFF"/>
+                  </a:solidFill>
+                </a:uFill>
+                <a:latin typeface="Qualcomm Office Regular"/>
+              </a:rPr>
+              <a:t>ifio_stream_process</a:t>
+            </a:r>
+            <a:r>
+              <a:rPr lang="en-US" sz="2400" b="0" strike="noStrike" spc="-1" dirty="0">
+                <a:solidFill>
+                  <a:srgbClr val="404040"/>
+                </a:solidFill>
+                <a:uFill>
+                  <a:solidFill>
+                    <a:srgbClr val="FFFFFF"/>
+                  </a:solidFill>
+                </a:uFill>
+                <a:latin typeface="Qualcomm Office Regular"/>
+              </a:rPr>
+              <a:t>(“</a:t>
+            </a:r>
+            <a:r>
+              <a:rPr lang="en-US" sz="2400" b="0" strike="noStrike" spc="-1" dirty="0" err="1">
+                <a:solidFill>
+                  <a:srgbClr val="404040"/>
+                </a:solidFill>
+                <a:uFill>
+                  <a:solidFill>
+                    <a:srgbClr val="FFFFFF"/>
+                  </a:solidFill>
+                </a:uFill>
+                <a:latin typeface="Qualcomm Office Regular"/>
+              </a:rPr>
+              <a:t>file_in.txt”,”file_out.txt</a:t>
+            </a:r>
+            <a:r>
+              <a:rPr lang="en-US" sz="2400" b="0" strike="noStrike" spc="-1" dirty="0">
+                <a:solidFill>
+                  <a:srgbClr val="404040"/>
+                </a:solidFill>
+                <a:uFill>
+                  <a:solidFill>
+                    <a:srgbClr val="FFFFFF"/>
+                  </a:solidFill>
+                </a:uFill>
+                <a:latin typeface="Qualcomm Office Regular"/>
+              </a:rPr>
+              <a:t>”)</a:t>
+            </a:r>
+            <a:endParaRPr lang="en-US" spc="-1" dirty="0">
+              <a:solidFill>
+                <a:srgbClr val="000000"/>
+              </a:solidFill>
+              <a:uFill>
+                <a:solidFill>
+                  <a:srgbClr val="FFFFFF"/>
+                </a:solidFill>
+              </a:uFill>
+              <a:latin typeface="DejaVu Sans Mono"/>
+            </a:endParaRPr>
+          </a:p>
+          <a:p>
+            <a:pPr marL="800280" lvl="1" indent="-342360">
+              <a:buBlip>
+                <a:blip r:embed="rId3"/>
+              </a:buBlip>
+            </a:pPr>
+            <a:r>
+              <a:rPr lang="en-US" sz="2400" b="0" strike="noStrike" spc="-1" dirty="0">
+                <a:solidFill>
+                  <a:srgbClr val="404040"/>
+                </a:solidFill>
+                <a:uFill>
+                  <a:solidFill>
+                    <a:srgbClr val="FFFFFF"/>
+                  </a:solidFill>
+                </a:uFill>
+                <a:latin typeface="Qualcomm Office Regular"/>
+              </a:rPr>
+              <a:t>Exposes data from “file_in.txt” to FPGA whenever FPGA sets “ready”</a:t>
+            </a:r>
+            <a:endParaRPr lang="en-US" spc="-1" dirty="0">
+              <a:solidFill>
+                <a:srgbClr val="000000"/>
+              </a:solidFill>
+              <a:uFill>
+                <a:solidFill>
+                  <a:srgbClr val="FFFFFF"/>
+                </a:solidFill>
+              </a:uFill>
+              <a:latin typeface="DejaVu Sans Mono"/>
+            </a:endParaRPr>
+          </a:p>
+          <a:p>
+            <a:pPr marL="800280" lvl="1" indent="-342360">
+              <a:buBlip>
+                <a:blip r:embed="rId3"/>
+              </a:buBlip>
+            </a:pPr>
+            <a:r>
+              <a:rPr lang="en-US" sz="2400" b="0" strike="noStrike" spc="-1" dirty="0">
+                <a:solidFill>
+                  <a:srgbClr val="404040"/>
+                </a:solidFill>
+                <a:uFill>
+                  <a:solidFill>
+                    <a:srgbClr val="FFFFFF"/>
+                  </a:solidFill>
+                </a:uFill>
+                <a:latin typeface="Qualcomm Office Regular"/>
+              </a:rPr>
+              <a:t>Exposes FPGA output to “file_out.txt” whenever FPGA sets “valid”</a:t>
+            </a:r>
+            <a:endParaRPr lang="en-US" b="0" strike="noStrike" spc="-1" dirty="0">
+              <a:solidFill>
+                <a:srgbClr val="000000"/>
+              </a:solidFill>
+              <a:uFill>
+                <a:solidFill>
+                  <a:srgbClr val="FFFFFF"/>
+                </a:solidFill>
+              </a:uFill>
+              <a:latin typeface="DejaVu Sans Mono"/>
+            </a:endParaRPr>
+          </a:p>
+          <a:p>
+            <a:pPr marL="343080" indent="-342360">
+              <a:lnSpc>
+                <a:spcPct val="100000"/>
+              </a:lnSpc>
+              <a:buBlip>
+                <a:blip r:embed="rId3"/>
+              </a:buBlip>
+            </a:pPr>
+            <a:r>
+              <a:rPr lang="en-US" sz="2400" b="0" strike="noStrike" spc="-1" dirty="0">
+                <a:solidFill>
+                  <a:srgbClr val="404040"/>
+                </a:solidFill>
+                <a:uFill>
+                  <a:solidFill>
+                    <a:srgbClr val="FFFFFF"/>
+                  </a:solidFill>
+                </a:uFill>
+                <a:latin typeface="Qualcomm Office Regular"/>
+              </a:rPr>
+              <a:t>+ more communication patterns?</a:t>
+            </a:r>
+            <a:endParaRPr lang="en-US" sz="1800" b="0" strike="noStrike" spc="-1" dirty="0">
               <a:solidFill>
                 <a:srgbClr val="000000"/>
               </a:solidFill>
@@ -18584,7 +19092,7 @@
                 <a:spcPct val="100000"/>
               </a:lnSpc>
             </a:pPr>
-            <a:endParaRPr lang="en-US" sz="1800" b="0" strike="noStrike" spc="-1">
+            <a:endParaRPr lang="en-US" sz="1800" b="0" strike="noStrike" spc="-1" dirty="0">
               <a:solidFill>
                 <a:srgbClr val="000000"/>
               </a:solidFill>
@@ -18600,13 +19108,13 @@
       </p:sp>
       <p:sp>
         <p:nvSpPr>
-          <p:cNvPr id="232" name="CustomShape 2"/>
+          <p:cNvPr id="230" name="CustomShape 2"/>
           <p:cNvSpPr/>
           <p:nvPr/>
         </p:nvSpPr>
         <p:spPr>
           <a:xfrm>
-            <a:off x="274680" y="914400"/>
+            <a:off x="283320" y="742320"/>
             <a:ext cx="11429280" cy="507240"/>
           </a:xfrm>
           <a:prstGeom prst="rect">
@@ -18650,7 +19158,7 @@
                 </a:uFill>
                 <a:latin typeface="Qualcomm Office Regular"/>
               </a:rPr>
-              <a:t>Challenges Addressed</a:t>
+              <a:t>Icestick Fast-IO Library API</a:t>
             </a:r>
             <a:endParaRPr lang="en-US" sz="1800" b="0" strike="noStrike" spc="-1">
               <a:solidFill>
@@ -18720,42 +19228,341 @@
       </p:grpSpPr>
       <p:sp>
         <p:nvSpPr>
-          <p:cNvPr id="5" name="Subtitle 4"/>
-          <p:cNvSpPr>
-            <a:spLocks noGrp="1"/>
-          </p:cNvSpPr>
-          <p:nvPr>
-            <p:ph type="subTitle"/>
-          </p:nvPr>
+          <p:cNvPr id="231" name="CustomShape 1"/>
+          <p:cNvSpPr/>
+          <p:nvPr/>
         </p:nvSpPr>
-        <p:spPr/>
+        <p:spPr>
+          <a:xfrm>
+            <a:off x="294480" y="1806480"/>
+            <a:ext cx="11429280" cy="2932560"/>
+          </a:xfrm>
+          <a:prstGeom prst="rect">
+            <a:avLst/>
+          </a:prstGeom>
+          <a:noFill/>
+          <a:ln>
+            <a:noFill/>
+          </a:ln>
+        </p:spPr>
+        <p:style>
+          <a:lnRef idx="0">
+            <a:scrgbClr r="0" g="0" b="0"/>
+          </a:lnRef>
+          <a:fillRef idx="0">
+            <a:scrgbClr r="0" g="0" b="0"/>
+          </a:fillRef>
+          <a:effectRef idx="0">
+            <a:scrgbClr r="0" g="0" b="0"/>
+          </a:effectRef>
+          <a:fontRef idx="minor"/>
+        </p:style>
         <p:txBody>
-          <a:bodyPr/>
+          <a:bodyPr lIns="90000" tIns="45000" rIns="90000" bIns="45000"/>
           <a:lstStyle/>
           <a:p>
-            <a:r>
-              <a:rPr lang="en-US" dirty="0"/>
-              <a:t>Thank you!</a:t>
-            </a:r>
+            <a:pPr marL="343080" indent="-342360">
+              <a:lnSpc>
+                <a:spcPct val="100000"/>
+              </a:lnSpc>
+              <a:buBlip>
+                <a:blip r:embed="rId3"/>
+              </a:buBlip>
+            </a:pPr>
+            <a:r>
+              <a:rPr lang="en-US" sz="2400" b="0" strike="noStrike" spc="-1">
+                <a:solidFill>
+                  <a:srgbClr val="404040"/>
+                </a:solidFill>
+                <a:uFill>
+                  <a:solidFill>
+                    <a:srgbClr val="FFFFFF"/>
+                  </a:solidFill>
+                </a:uFill>
+                <a:latin typeface="Qualcomm Office Regular"/>
+              </a:rPr>
+              <a:t>Few choices for an I/O primitive to unmodified Icestick</a:t>
+            </a:r>
+            <a:endParaRPr lang="en-US" sz="1800" b="0" strike="noStrike" spc="-1">
+              <a:solidFill>
+                <a:srgbClr val="000000"/>
+              </a:solidFill>
+              <a:uFill>
+                <a:solidFill>
+                  <a:srgbClr val="FFFFFF"/>
+                </a:solidFill>
+              </a:uFill>
+              <a:latin typeface="DejaVu Sans Mono"/>
+            </a:endParaRPr>
+          </a:p>
+          <a:p>
+            <a:pPr marL="743040" lvl="1" indent="-342360">
+              <a:lnSpc>
+                <a:spcPct val="100000"/>
+              </a:lnSpc>
+              <a:buClr>
+                <a:srgbClr val="E98306"/>
+              </a:buClr>
+              <a:buFont typeface="Calibre Regular"/>
+              <a:buChar char="−"/>
+            </a:pPr>
+            <a:r>
+              <a:rPr lang="en-US" sz="2400" b="0" strike="noStrike" spc="-1">
+                <a:solidFill>
+                  <a:srgbClr val="404040"/>
+                </a:solidFill>
+                <a:uFill>
+                  <a:solidFill>
+                    <a:srgbClr val="FFFFFF"/>
+                  </a:solidFill>
+                </a:uFill>
+                <a:latin typeface="Qualcomm Office Regular"/>
+              </a:rPr>
+              <a:t>Fast reliable UART</a:t>
+            </a:r>
+            <a:endParaRPr lang="en-US" sz="1800" b="0" strike="noStrike" spc="-1">
+              <a:solidFill>
+                <a:srgbClr val="000000"/>
+              </a:solidFill>
+              <a:uFill>
+                <a:solidFill>
+                  <a:srgbClr val="FFFFFF"/>
+                </a:solidFill>
+              </a:uFill>
+              <a:latin typeface="DejaVu Sans Mono"/>
+            </a:endParaRPr>
+          </a:p>
+          <a:p>
+            <a:pPr marL="743040" lvl="1" indent="-342360">
+              <a:lnSpc>
+                <a:spcPct val="100000"/>
+              </a:lnSpc>
+              <a:buClr>
+                <a:srgbClr val="E98306"/>
+              </a:buClr>
+              <a:buFont typeface="Calibre Regular"/>
+              <a:buChar char="−"/>
+            </a:pPr>
+            <a:r>
+              <a:rPr lang="en-US" sz="2400" b="0" strike="noStrike" spc="-1">
+                <a:solidFill>
+                  <a:srgbClr val="404040"/>
+                </a:solidFill>
+                <a:uFill>
+                  <a:solidFill>
+                    <a:srgbClr val="FFFFFF"/>
+                  </a:solidFill>
+                </a:uFill>
+                <a:latin typeface="Qualcomm Office Regular"/>
+              </a:rPr>
+              <a:t>Library abstracts away I/O primitive</a:t>
+            </a:r>
+            <a:endParaRPr lang="en-US" sz="1800" b="0" strike="noStrike" spc="-1">
+              <a:solidFill>
+                <a:srgbClr val="000000"/>
+              </a:solidFill>
+              <a:uFill>
+                <a:solidFill>
+                  <a:srgbClr val="FFFFFF"/>
+                </a:solidFill>
+              </a:uFill>
+              <a:latin typeface="DejaVu Sans Mono"/>
+            </a:endParaRPr>
+          </a:p>
+          <a:p>
+            <a:pPr marL="343080" indent="-342360">
+              <a:lnSpc>
+                <a:spcPct val="100000"/>
+              </a:lnSpc>
+              <a:buBlip>
+                <a:blip r:embed="rId3"/>
+              </a:buBlip>
+            </a:pPr>
+            <a:r>
+              <a:rPr lang="en-US" sz="2400" b="0" strike="noStrike" spc="-1">
+                <a:solidFill>
+                  <a:srgbClr val="404040"/>
+                </a:solidFill>
+                <a:uFill>
+                  <a:solidFill>
+                    <a:srgbClr val="FFFFFF"/>
+                  </a:solidFill>
+                </a:uFill>
+                <a:latin typeface="Qualcomm Office Regular"/>
+              </a:rPr>
+              <a:t>Complex semantics of different communication patterns</a:t>
+            </a:r>
+            <a:endParaRPr lang="en-US" sz="1800" b="0" strike="noStrike" spc="-1">
+              <a:solidFill>
+                <a:srgbClr val="000000"/>
+              </a:solidFill>
+              <a:uFill>
+                <a:solidFill>
+                  <a:srgbClr val="FFFFFF"/>
+                </a:solidFill>
+              </a:uFill>
+              <a:latin typeface="DejaVu Sans Mono"/>
+            </a:endParaRPr>
+          </a:p>
+          <a:p>
+            <a:pPr marL="743040" lvl="1" indent="-342360">
+              <a:lnSpc>
+                <a:spcPct val="100000"/>
+              </a:lnSpc>
+              <a:buClr>
+                <a:srgbClr val="E98306"/>
+              </a:buClr>
+              <a:buFont typeface="Calibre Regular"/>
+              <a:buChar char="−"/>
+            </a:pPr>
+            <a:r>
+              <a:rPr lang="en-US" sz="2400" b="0" strike="noStrike" spc="-1">
+                <a:solidFill>
+                  <a:srgbClr val="404040"/>
+                </a:solidFill>
+                <a:uFill>
+                  <a:solidFill>
+                    <a:srgbClr val="FFFFFF"/>
+                  </a:solidFill>
+                </a:uFill>
+                <a:latin typeface="Qualcomm Office Regular"/>
+              </a:rPr>
+              <a:t>Library API is specialized for a set of common patterns</a:t>
+            </a:r>
+            <a:endParaRPr lang="en-US" sz="1800" b="0" strike="noStrike" spc="-1">
+              <a:solidFill>
+                <a:srgbClr val="000000"/>
+              </a:solidFill>
+              <a:uFill>
+                <a:solidFill>
+                  <a:srgbClr val="FFFFFF"/>
+                </a:solidFill>
+              </a:uFill>
+              <a:latin typeface="DejaVu Sans Mono"/>
+            </a:endParaRPr>
+          </a:p>
+          <a:p>
+            <a:pPr marL="743040" lvl="1" indent="-342360">
+              <a:lnSpc>
+                <a:spcPct val="100000"/>
+              </a:lnSpc>
+              <a:buClr>
+                <a:srgbClr val="E98306"/>
+              </a:buClr>
+              <a:buFont typeface="Calibre Regular"/>
+              <a:buChar char="−"/>
+            </a:pPr>
+            <a:r>
+              <a:rPr lang="en-US" sz="2400" b="0" strike="noStrike" spc="-1">
+                <a:solidFill>
+                  <a:srgbClr val="404040"/>
+                </a:solidFill>
+                <a:uFill>
+                  <a:solidFill>
+                    <a:srgbClr val="FFFFFF"/>
+                  </a:solidFill>
+                </a:uFill>
+                <a:latin typeface="Qualcomm Office Regular"/>
+              </a:rPr>
+              <a:t>Easy to use, at the expense of some flexibility</a:t>
+            </a:r>
+            <a:endParaRPr lang="en-US" sz="1800" b="0" strike="noStrike" spc="-1">
+              <a:solidFill>
+                <a:srgbClr val="000000"/>
+              </a:solidFill>
+              <a:uFill>
+                <a:solidFill>
+                  <a:srgbClr val="FFFFFF"/>
+                </a:solidFill>
+              </a:uFill>
+              <a:latin typeface="DejaVu Sans Mono"/>
+            </a:endParaRPr>
+          </a:p>
+          <a:p>
+            <a:pPr>
+              <a:lnSpc>
+                <a:spcPct val="100000"/>
+              </a:lnSpc>
+            </a:pPr>
+            <a:endParaRPr lang="en-US" sz="1800" b="0" strike="noStrike" spc="-1">
+              <a:solidFill>
+                <a:srgbClr val="000000"/>
+              </a:solidFill>
+              <a:uFill>
+                <a:solidFill>
+                  <a:srgbClr val="FFFFFF"/>
+                </a:solidFill>
+              </a:uFill>
+              <a:latin typeface="DejaVu Sans Mono"/>
+            </a:endParaRPr>
           </a:p>
         </p:txBody>
       </p:sp>
       <p:sp>
         <p:nvSpPr>
-          <p:cNvPr id="4" name="Title 3"/>
-          <p:cNvSpPr>
-            <a:spLocks noGrp="1"/>
-          </p:cNvSpPr>
-          <p:nvPr>
-            <p:ph type="title"/>
-          </p:nvPr>
+          <p:cNvPr id="232" name="CustomShape 2"/>
+          <p:cNvSpPr/>
+          <p:nvPr/>
         </p:nvSpPr>
-        <p:spPr/>
+        <p:spPr>
+          <a:xfrm>
+            <a:off x="274680" y="914400"/>
+            <a:ext cx="11429280" cy="507240"/>
+          </a:xfrm>
+          <a:prstGeom prst="rect">
+            <a:avLst/>
+          </a:prstGeom>
+          <a:noFill/>
+          <a:ln>
+            <a:noFill/>
+          </a:ln>
+        </p:spPr>
+        <p:style>
+          <a:lnRef idx="0">
+            <a:scrgbClr r="0" g="0" b="0"/>
+          </a:lnRef>
+          <a:fillRef idx="0">
+            <a:scrgbClr r="0" g="0" b="0"/>
+          </a:fillRef>
+          <a:effectRef idx="0">
+            <a:scrgbClr r="0" g="0" b="0"/>
+          </a:effectRef>
+          <a:fontRef idx="minor"/>
+        </p:style>
         <p:txBody>
-          <a:bodyPr/>
+          <a:bodyPr lIns="90000" tIns="45000" rIns="90000" bIns="45000" anchor="ctr"/>
           <a:lstStyle/>
           <a:p>
-            <a:endParaRPr lang="en-US"/>
+            <a:pPr>
+              <a:lnSpc>
+                <a:spcPct val="100000"/>
+              </a:lnSpc>
+            </a:pPr>
+            <a:r>
+              <a:rPr lang="en-US" sz="3600" b="0" strike="noStrike" spc="-1">
+                <a:solidFill>
+                  <a:srgbClr val="595959"/>
+                </a:solidFill>
+                <a:uFill>
+                  <a:solidFill>
+                    <a:srgbClr val="FFFFFF"/>
+                  </a:solidFill>
+                </a:uFill>
+                <a:latin typeface="Qualcomm Office Regular"/>
+              </a:rPr>
+              <a:t>Challenges Addressed</a:t>
+            </a:r>
+            <a:endParaRPr lang="en-US" sz="1800" b="0" strike="noStrike" spc="-1">
+              <a:solidFill>
+                <a:srgbClr val="000000"/>
+              </a:solidFill>
+              <a:uFill>
+                <a:solidFill>
+                  <a:srgbClr val="FFFFFF"/>
+                </a:solidFill>
+              </a:uFill>
+              <a:latin typeface="DejaVu Sans Mono"/>
+            </a:endParaRPr>
           </a:p>
         </p:txBody>
       </p:sp>
@@ -18813,6 +19620,99 @@
       </p:grpSpPr>
       <p:sp>
         <p:nvSpPr>
+          <p:cNvPr id="5" name="Subtitle 4"/>
+          <p:cNvSpPr>
+            <a:spLocks noGrp="1"/>
+          </p:cNvSpPr>
+          <p:nvPr>
+            <p:ph type="subTitle"/>
+          </p:nvPr>
+        </p:nvSpPr>
+        <p:spPr/>
+        <p:txBody>
+          <a:bodyPr/>
+          <a:lstStyle/>
+          <a:p>
+            <a:r>
+              <a:rPr lang="en-US" dirty="0"/>
+              <a:t>Thank you!</a:t>
+            </a:r>
+          </a:p>
+        </p:txBody>
+      </p:sp>
+      <p:sp>
+        <p:nvSpPr>
+          <p:cNvPr id="4" name="Title 3"/>
+          <p:cNvSpPr>
+            <a:spLocks noGrp="1"/>
+          </p:cNvSpPr>
+          <p:nvPr>
+            <p:ph type="title"/>
+          </p:nvPr>
+        </p:nvSpPr>
+        <p:spPr/>
+        <p:txBody>
+          <a:bodyPr/>
+          <a:lstStyle/>
+          <a:p>
+            <a:endParaRPr lang="en-US"/>
+          </a:p>
+        </p:txBody>
+      </p:sp>
+    </p:spTree>
+  </p:cSld>
+  <p:clrMapOvr>
+    <a:masterClrMapping/>
+  </p:clrMapOvr>
+  <p:timing>
+    <p:tnLst>
+      <p:par>
+        <p:cTn id="1" dur="indefinite" restart="never" nodeType="tmRoot">
+          <p:childTnLst>
+            <p:seq>
+              <p:cTn id="2" nodeType="mainSeq"/>
+              <p:prevCondLst>
+                <p:cond evt="onPrev" delay="0">
+                  <p:tgtEl>
+                    <p:sldTgt/>
+                  </p:tgtEl>
+                </p:cond>
+              </p:prevCondLst>
+              <p:nextCondLst>
+                <p:cond evt="onNext" delay="0">
+                  <p:tgtEl>
+                    <p:sldTgt/>
+                  </p:tgtEl>
+                </p:cond>
+              </p:nextCondLst>
+            </p:seq>
+          </p:childTnLst>
+        </p:cTn>
+      </p:par>
+    </p:tnLst>
+  </p:timing>
+</p:sld>
+</file>
+
+<file path=ppt/slides/slide15.xml><?xml version="1.0" encoding="utf-8"?>
+<p:sld xmlns:a="http://schemas.openxmlformats.org/drawingml/2006/main" xmlns:r="http://schemas.openxmlformats.org/officeDocument/2006/relationships" xmlns:p="http://schemas.openxmlformats.org/presentationml/2006/main">
+  <p:cSld>
+    <p:spTree>
+      <p:nvGrpSpPr>
+        <p:cNvPr id="1" name=""/>
+        <p:cNvGrpSpPr/>
+        <p:nvPr/>
+      </p:nvGrpSpPr>
+      <p:grpSpPr>
+        <a:xfrm>
+          <a:off x="0" y="0"/>
+          <a:ext cx="0" cy="0"/>
+          <a:chOff x="0" y="0"/>
+          <a:chExt cx="0" cy="0"/>
+        </a:xfrm>
+      </p:grpSpPr>
+      <p:sp>
+        <p:nvSpPr>
           <p:cNvPr id="2" name="Title 1"/>
           <p:cNvSpPr>
             <a:spLocks noGrp="1"/>
@@ -18865,8 +19765,8 @@
 </p:sld>
 </file>
 
-<file path=ppt/slides/slide15.xml><?xml version="1.0" encoding="utf-8"?>
-<p:sld xmlns:a="http://schemas.openxmlformats.org/drawingml/2006/main" xmlns:r="http://schemas.openxmlformats.org/officeDocument/2006/relationships" xmlns:p="http://schemas.openxmlformats.org/presentationml/2006/main" show="0">
+<file path=ppt/slides/slide16.xml><?xml version="1.0" encoding="utf-8"?>
+<p:sld xmlns:a="http://schemas.openxmlformats.org/drawingml/2006/main" xmlns:r="http://schemas.openxmlformats.org/officeDocument/2006/relationships" xmlns:p="http://schemas.openxmlformats.org/presentationml/2006/main">
   <p:cSld>
     <p:spTree>
       <p:nvGrpSpPr>
@@ -19409,8 +20309,8 @@
 </p:sld>
 </file>
 
-<file path=ppt/slides/slide16.xml><?xml version="1.0" encoding="utf-8"?>
-<p:sld xmlns:a="http://schemas.openxmlformats.org/drawingml/2006/main" xmlns:r="http://schemas.openxmlformats.org/officeDocument/2006/relationships" xmlns:p="http://schemas.openxmlformats.org/presentationml/2006/main" show="0">
+<file path=ppt/slides/slide17.xml><?xml version="1.0" encoding="utf-8"?>
+<p:sld xmlns:a="http://schemas.openxmlformats.org/drawingml/2006/main" xmlns:r="http://schemas.openxmlformats.org/officeDocument/2006/relationships" xmlns:p="http://schemas.openxmlformats.org/presentationml/2006/main">
   <p:cSld>
     <p:spTree>
       <p:nvGrpSpPr>
@@ -19843,731 +20743,6 @@
     <p:extLst>
       <p:ext uri="{BB962C8B-B14F-4D97-AF65-F5344CB8AC3E}">
         <p14:creationId xmlns:p14="http://schemas.microsoft.com/office/powerpoint/2010/main" val="1243552738"/>
-      </p:ext>
-    </p:extLst>
-  </p:cSld>
-  <p:clrMapOvr>
-    <a:masterClrMapping/>
-  </p:clrMapOvr>
-  <p:timing>
-    <p:tnLst>
-      <p:par>
-        <p:cTn id="1" dur="indefinite" restart="never" nodeType="tmRoot">
-          <p:childTnLst>
-            <p:seq>
-              <p:cTn id="2" nodeType="mainSeq"/>
-              <p:prevCondLst>
-                <p:cond evt="onPrev" delay="0">
-                  <p:tgtEl>
-                    <p:sldTgt/>
-                  </p:tgtEl>
-                </p:cond>
-              </p:prevCondLst>
-              <p:nextCondLst>
-                <p:cond evt="onNext" delay="0">
-                  <p:tgtEl>
-                    <p:sldTgt/>
-                  </p:tgtEl>
-                </p:cond>
-              </p:nextCondLst>
-            </p:seq>
-          </p:childTnLst>
-        </p:cTn>
-      </p:par>
-    </p:tnLst>
-  </p:timing>
-</p:sld>
-</file>
-
-<file path=ppt/slides/slide17.xml><?xml version="1.0" encoding="utf-8"?>
-<p:sld xmlns:a="http://schemas.openxmlformats.org/drawingml/2006/main" xmlns:r="http://schemas.openxmlformats.org/officeDocument/2006/relationships" xmlns:p="http://schemas.openxmlformats.org/presentationml/2006/main">
-  <p:cSld>
-    <p:spTree>
-      <p:nvGrpSpPr>
-        <p:cNvPr id="1" name=""/>
-        <p:cNvGrpSpPr/>
-        <p:nvPr/>
-      </p:nvGrpSpPr>
-      <p:grpSpPr>
-        <a:xfrm>
-          <a:off x="0" y="0"/>
-          <a:ext cx="0" cy="0"/>
-          <a:chOff x="0" y="0"/>
-          <a:chExt cx="0" cy="0"/>
-        </a:xfrm>
-      </p:grpSpPr>
-      <p:sp>
-        <p:nvSpPr>
-          <p:cNvPr id="233" name="CustomShape 1"/>
-          <p:cNvSpPr/>
-          <p:nvPr/>
-        </p:nvSpPr>
-        <p:spPr>
-          <a:xfrm>
-            <a:off x="294480" y="1806480"/>
-            <a:ext cx="8251200" cy="4477320"/>
-          </a:xfrm>
-          <a:prstGeom prst="rect">
-            <a:avLst/>
-          </a:prstGeom>
-          <a:noFill/>
-          <a:ln>
-            <a:noFill/>
-          </a:ln>
-        </p:spPr>
-        <p:style>
-          <a:lnRef idx="0">
-            <a:scrgbClr r="0" g="0" b="0"/>
-          </a:lnRef>
-          <a:fillRef idx="0">
-            <a:scrgbClr r="0" g="0" b="0"/>
-          </a:fillRef>
-          <a:effectRef idx="0">
-            <a:scrgbClr r="0" g="0" b="0"/>
-          </a:effectRef>
-          <a:fontRef idx="minor"/>
-        </p:style>
-        <p:txBody>
-          <a:bodyPr lIns="90000" tIns="45000" rIns="90000" bIns="45000"/>
-          <a:lstStyle/>
-          <a:p>
-            <a:pPr marL="343080" indent="-342360">
-              <a:lnSpc>
-                <a:spcPct val="100000"/>
-              </a:lnSpc>
-              <a:buBlip>
-                <a:blip r:embed="rId3"/>
-              </a:buBlip>
-            </a:pPr>
-            <a:endParaRPr lang="en-US" sz="1800" b="0" strike="noStrike" spc="-1" dirty="0">
-              <a:solidFill>
-                <a:srgbClr val="000000"/>
-              </a:solidFill>
-              <a:uFill>
-                <a:solidFill>
-                  <a:srgbClr val="FFFFFF"/>
-                </a:solidFill>
-              </a:uFill>
-              <a:latin typeface="DejaVu Sans Mono"/>
-            </a:endParaRPr>
-          </a:p>
-        </p:txBody>
-      </p:sp>
-      <p:sp>
-        <p:nvSpPr>
-          <p:cNvPr id="234" name="CustomShape 2"/>
-          <p:cNvSpPr/>
-          <p:nvPr/>
-        </p:nvSpPr>
-        <p:spPr>
-          <a:xfrm>
-            <a:off x="283320" y="736560"/>
-            <a:ext cx="11429280" cy="507240"/>
-          </a:xfrm>
-          <a:prstGeom prst="rect">
-            <a:avLst/>
-          </a:prstGeom>
-          <a:noFill/>
-          <a:ln>
-            <a:noFill/>
-          </a:ln>
-        </p:spPr>
-        <p:style>
-          <a:lnRef idx="0">
-            <a:scrgbClr r="0" g="0" b="0"/>
-          </a:lnRef>
-          <a:fillRef idx="0">
-            <a:scrgbClr r="0" g="0" b="0"/>
-          </a:fillRef>
-          <a:effectRef idx="0">
-            <a:scrgbClr r="0" g="0" b="0"/>
-          </a:effectRef>
-          <a:fontRef idx="minor"/>
-        </p:style>
-        <p:txBody>
-          <a:bodyPr lIns="90000" tIns="45000" rIns="90000" bIns="45000" anchor="ctr"/>
-          <a:lstStyle/>
-          <a:p>
-            <a:pPr>
-              <a:lnSpc>
-                <a:spcPct val="100000"/>
-              </a:lnSpc>
-            </a:pPr>
-            <a:r>
-              <a:rPr lang="en-US" sz="3600" b="0" strike="noStrike" spc="-1" dirty="0" err="1">
-                <a:solidFill>
-                  <a:srgbClr val="595959"/>
-                </a:solidFill>
-                <a:uFill>
-                  <a:solidFill>
-                    <a:srgbClr val="FFFFFF"/>
-                  </a:solidFill>
-                </a:uFill>
-                <a:latin typeface="Qualcomm Office Regular"/>
-              </a:rPr>
-              <a:t>Printf</a:t>
-            </a:r>
-            <a:r>
-              <a:rPr lang="en-US" sz="3600" b="0" strike="noStrike" spc="-1" dirty="0">
-                <a:solidFill>
-                  <a:srgbClr val="595959"/>
-                </a:solidFill>
-                <a:uFill>
-                  <a:solidFill>
-                    <a:srgbClr val="FFFFFF"/>
-                  </a:solidFill>
-                </a:uFill>
-                <a:latin typeface="Qualcomm Office Regular"/>
-              </a:rPr>
-              <a:t> flow chart</a:t>
-            </a:r>
-            <a:endParaRPr lang="en-US" sz="1800" b="0" strike="noStrike" spc="-1" dirty="0">
-              <a:solidFill>
-                <a:srgbClr val="000000"/>
-              </a:solidFill>
-              <a:uFill>
-                <a:solidFill>
-                  <a:srgbClr val="FFFFFF"/>
-                </a:solidFill>
-              </a:uFill>
-              <a:latin typeface="DejaVu Sans Mono"/>
-            </a:endParaRPr>
-          </a:p>
-        </p:txBody>
-      </p:sp>
-      <p:sp>
-        <p:nvSpPr>
-          <p:cNvPr id="235" name="CustomShape 3"/>
-          <p:cNvSpPr/>
-          <p:nvPr/>
-        </p:nvSpPr>
-        <p:spPr>
-          <a:xfrm>
-            <a:off x="283320" y="1426320"/>
-            <a:ext cx="11429280" cy="350280"/>
-          </a:xfrm>
-          <a:prstGeom prst="rect">
-            <a:avLst/>
-          </a:prstGeom>
-          <a:noFill/>
-          <a:ln>
-            <a:noFill/>
-          </a:ln>
-        </p:spPr>
-        <p:style>
-          <a:lnRef idx="0">
-            <a:scrgbClr r="0" g="0" b="0"/>
-          </a:lnRef>
-          <a:fillRef idx="0">
-            <a:scrgbClr r="0" g="0" b="0"/>
-          </a:fillRef>
-          <a:effectRef idx="0">
-            <a:scrgbClr r="0" g="0" b="0"/>
-          </a:effectRef>
-          <a:fontRef idx="minor"/>
-        </p:style>
-        <p:txBody>
-          <a:bodyPr lIns="90000" tIns="0" rIns="90000" bIns="0"/>
-          <a:lstStyle/>
-          <a:p>
-            <a:pPr>
-              <a:lnSpc>
-                <a:spcPct val="100000"/>
-              </a:lnSpc>
-            </a:pPr>
-            <a:r>
-              <a:rPr lang="en-US" sz="2400" b="0" strike="noStrike" spc="-1" dirty="0">
-                <a:solidFill>
-                  <a:srgbClr val="00ACBD"/>
-                </a:solidFill>
-                <a:uFill>
-                  <a:solidFill>
-                    <a:srgbClr val="FFFFFF"/>
-                  </a:solidFill>
-                </a:uFill>
-                <a:latin typeface="Qualcomm Office Regular"/>
-              </a:rPr>
-              <a:t>Example compilation flow</a:t>
-            </a:r>
-            <a:endParaRPr lang="en-US" sz="1800" b="0" strike="noStrike" spc="-1" dirty="0">
-              <a:solidFill>
-                <a:srgbClr val="000000"/>
-              </a:solidFill>
-              <a:uFill>
-                <a:solidFill>
-                  <a:srgbClr val="FFFFFF"/>
-                </a:solidFill>
-              </a:uFill>
-              <a:latin typeface="DejaVu Sans Mono"/>
-            </a:endParaRPr>
-          </a:p>
-        </p:txBody>
-      </p:sp>
-      <p:pic>
-        <p:nvPicPr>
-          <p:cNvPr id="3" name="Picture 2"/>
-          <p:cNvPicPr>
-            <a:picLocks noChangeAspect="1"/>
-          </p:cNvPicPr>
-          <p:nvPr/>
-        </p:nvPicPr>
-        <p:blipFill>
-          <a:blip r:embed="rId4">
-            <a:extLst>
-              <a:ext uri="{28A0092B-C50C-407E-A947-70E740481C1C}">
-                <a14:useLocalDpi xmlns:a14="http://schemas.microsoft.com/office/drawing/2010/main" val="0"/>
-              </a:ext>
-            </a:extLst>
-          </a:blip>
-          <a:stretch>
-            <a:fillRect/>
-          </a:stretch>
-        </p:blipFill>
-        <p:spPr>
-          <a:xfrm>
-            <a:off x="4797467" y="525515"/>
-            <a:ext cx="7221255" cy="6332485"/>
-          </a:xfrm>
-          <a:prstGeom prst="rect">
-            <a:avLst/>
-          </a:prstGeom>
-        </p:spPr>
-      </p:pic>
-      <p:sp>
-        <p:nvSpPr>
-          <p:cNvPr id="10" name="CustomShape 1"/>
-          <p:cNvSpPr/>
-          <p:nvPr/>
-        </p:nvSpPr>
-        <p:spPr>
-          <a:xfrm>
-            <a:off x="446880" y="1958880"/>
-            <a:ext cx="4225328" cy="4477320"/>
-          </a:xfrm>
-          <a:prstGeom prst="rect">
-            <a:avLst/>
-          </a:prstGeom>
-          <a:noFill/>
-          <a:ln>
-            <a:noFill/>
-          </a:ln>
-        </p:spPr>
-        <p:style>
-          <a:lnRef idx="0">
-            <a:scrgbClr r="0" g="0" b="0"/>
-          </a:lnRef>
-          <a:fillRef idx="0">
-            <a:scrgbClr r="0" g="0" b="0"/>
-          </a:fillRef>
-          <a:effectRef idx="0">
-            <a:scrgbClr r="0" g="0" b="0"/>
-          </a:effectRef>
-          <a:fontRef idx="minor"/>
-        </p:style>
-        <p:txBody>
-          <a:bodyPr lIns="90000" tIns="45000" rIns="90000" bIns="45000"/>
-          <a:lstStyle/>
-          <a:p>
-            <a:pPr marL="343080" indent="-342360">
-              <a:lnSpc>
-                <a:spcPct val="100000"/>
-              </a:lnSpc>
-              <a:buBlip>
-                <a:blip r:embed="rId3"/>
-              </a:buBlip>
-            </a:pPr>
-            <a:endParaRPr lang="en-US" sz="1800" b="0" strike="noStrike" spc="-1" dirty="0">
-              <a:solidFill>
-                <a:srgbClr val="000000"/>
-              </a:solidFill>
-              <a:uFill>
-                <a:solidFill>
-                  <a:srgbClr val="FFFFFF"/>
-                </a:solidFill>
-              </a:uFill>
-              <a:latin typeface="DejaVu Sans Mono"/>
-            </a:endParaRPr>
-          </a:p>
-        </p:txBody>
-      </p:sp>
-      <p:sp>
-        <p:nvSpPr>
-          <p:cNvPr id="11" name="CustomShape 1"/>
-          <p:cNvSpPr/>
-          <p:nvPr/>
-        </p:nvSpPr>
-        <p:spPr>
-          <a:xfrm>
-            <a:off x="446880" y="1958880"/>
-            <a:ext cx="4269169" cy="4477320"/>
-          </a:xfrm>
-          <a:prstGeom prst="rect">
-            <a:avLst/>
-          </a:prstGeom>
-          <a:noFill/>
-          <a:ln>
-            <a:noFill/>
-          </a:ln>
-        </p:spPr>
-        <p:style>
-          <a:lnRef idx="0">
-            <a:scrgbClr r="0" g="0" b="0"/>
-          </a:lnRef>
-          <a:fillRef idx="0">
-            <a:scrgbClr r="0" g="0" b="0"/>
-          </a:fillRef>
-          <a:effectRef idx="0">
-            <a:scrgbClr r="0" g="0" b="0"/>
-          </a:effectRef>
-          <a:fontRef idx="minor"/>
-        </p:style>
-        <p:txBody>
-          <a:bodyPr lIns="90000" tIns="45000" rIns="90000" bIns="45000"/>
-          <a:lstStyle/>
-          <a:p>
-            <a:pPr marL="343080" indent="-342360">
-              <a:lnSpc>
-                <a:spcPct val="100000"/>
-              </a:lnSpc>
-              <a:buBlip>
-                <a:blip r:embed="rId3"/>
-              </a:buBlip>
-            </a:pPr>
-            <a:r>
-              <a:rPr lang="en-US" sz="2400" spc="-1" dirty="0">
-                <a:uFill>
-                  <a:solidFill>
-                    <a:srgbClr val="FFFFFF"/>
-                  </a:solidFill>
-                </a:uFill>
-                <a:latin typeface="Qualcomm Office Regular"/>
-              </a:rPr>
-              <a:t>CPU side program</a:t>
-            </a:r>
-          </a:p>
-          <a:p>
-            <a:pPr marL="800280" lvl="1" indent="-342360">
-              <a:buBlip>
-                <a:blip r:embed="rId3"/>
-              </a:buBlip>
-            </a:pPr>
-            <a:r>
-              <a:rPr lang="en-US" sz="2400" spc="-1" dirty="0">
-                <a:uFill>
-                  <a:solidFill>
-                    <a:srgbClr val="FFFFFF"/>
-                  </a:solidFill>
-                </a:uFill>
-                <a:latin typeface="Qualcomm Office Regular"/>
-              </a:rPr>
-              <a:t>Hold bulk of message</a:t>
-            </a:r>
-          </a:p>
-          <a:p>
-            <a:pPr marL="800280" lvl="1" indent="-342360">
-              <a:buBlip>
-                <a:blip r:embed="rId3"/>
-              </a:buBlip>
-            </a:pPr>
-            <a:r>
-              <a:rPr lang="en-US" sz="2400" b="0" strike="noStrike" spc="-1" dirty="0">
-                <a:uFill>
-                  <a:solidFill>
-                    <a:srgbClr val="FFFFFF"/>
-                  </a:solidFill>
-                </a:uFill>
-                <a:latin typeface="Qualcomm Office Regular"/>
-              </a:rPr>
-              <a:t>Flatten pre-processed </a:t>
-            </a:r>
-            <a:r>
-              <a:rPr lang="en-US" sz="2400" b="0" strike="noStrike" spc="-1" dirty="0" err="1">
-                <a:uFill>
-                  <a:solidFill>
-                    <a:srgbClr val="FFFFFF"/>
-                  </a:solidFill>
-                </a:uFill>
-                <a:latin typeface="Qualcomm Office Regular"/>
-              </a:rPr>
-              <a:t>args</a:t>
-            </a:r>
-            <a:endParaRPr lang="en-US" sz="2400" b="0" strike="noStrike" spc="-1" dirty="0">
-              <a:uFill>
-                <a:solidFill>
-                  <a:srgbClr val="FFFFFF"/>
-                </a:solidFill>
-              </a:uFill>
-              <a:latin typeface="Qualcomm Office Regular"/>
-            </a:endParaRPr>
-          </a:p>
-          <a:p>
-            <a:pPr marL="800280" lvl="1" indent="-342360">
-              <a:buBlip>
-                <a:blip r:embed="rId3"/>
-              </a:buBlip>
-            </a:pPr>
-            <a:r>
-              <a:rPr lang="en-US" sz="2400" spc="-1" dirty="0" err="1">
-                <a:uFill>
-                  <a:solidFill>
-                    <a:srgbClr val="FFFFFF"/>
-                  </a:solidFill>
-                </a:uFill>
-                <a:latin typeface="Qualcomm Office Regular"/>
-              </a:rPr>
-              <a:t>Arg</a:t>
-            </a:r>
-            <a:r>
-              <a:rPr lang="en-US" sz="2400" spc="-1" dirty="0">
-                <a:uFill>
-                  <a:solidFill>
-                    <a:srgbClr val="FFFFFF"/>
-                  </a:solidFill>
-                </a:uFill>
-                <a:latin typeface="Qualcomm Office Regular"/>
-              </a:rPr>
-              <a:t> count &amp; </a:t>
-            </a:r>
-            <a:r>
-              <a:rPr lang="en-US" sz="2400" spc="-1" dirty="0" err="1">
-                <a:uFill>
-                  <a:solidFill>
-                    <a:srgbClr val="FFFFFF"/>
-                  </a:solidFill>
-                </a:uFill>
-                <a:latin typeface="Qualcomm Office Regular"/>
-              </a:rPr>
-              <a:t>bitwidth</a:t>
-            </a:r>
-            <a:endParaRPr lang="en-US" sz="2400" b="0" strike="noStrike" spc="-1" dirty="0">
-              <a:uFill>
-                <a:solidFill>
-                  <a:srgbClr val="FFFFFF"/>
-                </a:solidFill>
-              </a:uFill>
-              <a:latin typeface="Qualcomm Office Regular"/>
-            </a:endParaRPr>
-          </a:p>
-          <a:p>
-            <a:pPr marL="343080" indent="-342360">
-              <a:buBlip>
-                <a:blip r:embed="rId3"/>
-              </a:buBlip>
-            </a:pPr>
-            <a:r>
-              <a:rPr lang="en-US" sz="2400" b="0" strike="noStrike" spc="-1" dirty="0">
-                <a:uFill>
-                  <a:solidFill>
-                    <a:srgbClr val="FFFFFF"/>
-                  </a:solidFill>
-                </a:uFill>
-                <a:latin typeface="Qualcomm Office Regular"/>
-              </a:rPr>
-              <a:t>FPGA side program</a:t>
-            </a:r>
-          </a:p>
-          <a:p>
-            <a:pPr marL="800280" lvl="1" indent="-342360">
-              <a:buBlip>
-                <a:blip r:embed="rId3"/>
-              </a:buBlip>
-            </a:pPr>
-            <a:r>
-              <a:rPr lang="en-US" sz="2400" b="0" strike="noStrike" spc="-1" dirty="0">
-                <a:uFill>
-                  <a:solidFill>
-                    <a:srgbClr val="FFFFFF"/>
-                  </a:solidFill>
-                </a:uFill>
-                <a:latin typeface="Qualcomm Office Regular"/>
-              </a:rPr>
-              <a:t>Control header </a:t>
-            </a:r>
-          </a:p>
-          <a:p>
-            <a:pPr marL="1257480" lvl="2" indent="-342360">
-              <a:buBlip>
-                <a:blip r:embed="rId3"/>
-              </a:buBlip>
-            </a:pPr>
-            <a:r>
-              <a:rPr lang="en-US" sz="2400" spc="-1" dirty="0" err="1">
-                <a:uFill>
-                  <a:solidFill>
-                    <a:srgbClr val="FFFFFF"/>
-                  </a:solidFill>
-                </a:uFill>
-                <a:latin typeface="Qualcomm Office Regular"/>
-              </a:rPr>
-              <a:t>msg</a:t>
-            </a:r>
-            <a:r>
-              <a:rPr lang="en-US" sz="2400" spc="-1" dirty="0">
-                <a:uFill>
-                  <a:solidFill>
-                    <a:srgbClr val="FFFFFF"/>
-                  </a:solidFill>
-                </a:uFill>
-                <a:latin typeface="Qualcomm Office Regular"/>
-              </a:rPr>
-              <a:t> </a:t>
-            </a:r>
-            <a:r>
-              <a:rPr lang="en-US" sz="2400" spc="-1" dirty="0" err="1">
-                <a:uFill>
-                  <a:solidFill>
-                    <a:srgbClr val="FFFFFF"/>
-                  </a:solidFill>
-                </a:uFill>
-                <a:latin typeface="Qualcomm Office Regular"/>
-              </a:rPr>
-              <a:t>idx</a:t>
-            </a:r>
-            <a:r>
-              <a:rPr lang="en-US" sz="2400" spc="-1" dirty="0">
-                <a:uFill>
-                  <a:solidFill>
-                    <a:srgbClr val="FFFFFF"/>
-                  </a:solidFill>
-                </a:uFill>
-                <a:latin typeface="Qualcomm Office Regular"/>
-              </a:rPr>
-              <a:t> (tie w/CPU)</a:t>
-            </a:r>
-          </a:p>
-          <a:p>
-            <a:pPr marL="1257480" lvl="2" indent="-342360">
-              <a:buBlip>
-                <a:blip r:embed="rId3"/>
-              </a:buBlip>
-            </a:pPr>
-            <a:r>
-              <a:rPr lang="en-US" sz="2400" spc="-1" dirty="0">
-                <a:uFill>
-                  <a:solidFill>
-                    <a:srgbClr val="FFFFFF"/>
-                  </a:solidFill>
-                </a:uFill>
-                <a:latin typeface="Qualcomm Office Regular"/>
-              </a:rPr>
-              <a:t>Length</a:t>
-            </a:r>
-          </a:p>
-          <a:p>
-            <a:pPr marL="1257480" lvl="2" indent="-342360">
-              <a:buBlip>
-                <a:blip r:embed="rId3"/>
-              </a:buBlip>
-            </a:pPr>
-            <a:r>
-              <a:rPr lang="en-US" sz="2400" spc="-1" dirty="0">
-                <a:uFill>
-                  <a:solidFill>
-                    <a:srgbClr val="FFFFFF"/>
-                  </a:solidFill>
-                </a:uFill>
-                <a:latin typeface="Qualcomm Office Regular"/>
-              </a:rPr>
-              <a:t>Drop </a:t>
-            </a:r>
-            <a:r>
-              <a:rPr lang="en-US" sz="2400" spc="-1" dirty="0" err="1">
-                <a:uFill>
-                  <a:solidFill>
-                    <a:srgbClr val="FFFFFF"/>
-                  </a:solidFill>
-                </a:uFill>
-                <a:latin typeface="Qualcomm Office Regular"/>
-              </a:rPr>
-              <a:t>ind.</a:t>
-            </a:r>
-            <a:r>
-              <a:rPr lang="en-US" sz="2400" spc="-1" dirty="0">
-                <a:uFill>
-                  <a:solidFill>
-                    <a:srgbClr val="FFFFFF"/>
-                  </a:solidFill>
-                </a:uFill>
-                <a:latin typeface="Qualcomm Office Regular"/>
-              </a:rPr>
-              <a:t> (conflict)</a:t>
-            </a:r>
-          </a:p>
-          <a:p>
-            <a:pPr marL="800280" lvl="1" indent="-342360">
-              <a:buBlip>
-                <a:blip r:embed="rId3"/>
-              </a:buBlip>
-            </a:pPr>
-            <a:r>
-              <a:rPr lang="en-US" sz="2400" spc="-1" dirty="0">
-                <a:uFill>
-                  <a:solidFill>
-                    <a:srgbClr val="FFFFFF"/>
-                  </a:solidFill>
-                </a:uFill>
-                <a:latin typeface="Qualcomm Office Regular"/>
-              </a:rPr>
-              <a:t>Argument body</a:t>
-            </a:r>
-          </a:p>
-          <a:p>
-            <a:pPr marL="1257480" lvl="2" indent="-342360">
-              <a:buBlip>
-                <a:blip r:embed="rId3"/>
-              </a:buBlip>
-            </a:pPr>
-            <a:r>
-              <a:rPr lang="en-US" sz="2400" spc="-1" dirty="0">
-                <a:uFill>
-                  <a:solidFill>
-                    <a:srgbClr val="FFFFFF"/>
-                  </a:solidFill>
-                </a:uFill>
-                <a:latin typeface="Qualcomm Office Regular"/>
-              </a:rPr>
-              <a:t>Concatenated body</a:t>
-            </a:r>
-          </a:p>
-          <a:p>
-            <a:pPr marL="800280" lvl="1" indent="-342360">
-              <a:buBlip>
-                <a:blip r:embed="rId3"/>
-              </a:buBlip>
-            </a:pPr>
-            <a:r>
-              <a:rPr lang="en-US" sz="2400" b="0" strike="noStrike" spc="-1" dirty="0">
-                <a:uFill>
-                  <a:solidFill>
-                    <a:srgbClr val="FFFFFF"/>
-                  </a:solidFill>
-                </a:uFill>
-                <a:latin typeface="Qualcomm Office Regular"/>
-              </a:rPr>
-              <a:t>Print at some event</a:t>
-            </a:r>
-          </a:p>
-          <a:p>
-            <a:pPr marL="343080" indent="-342360">
-              <a:buBlip>
-                <a:blip r:embed="rId3"/>
-              </a:buBlip>
-            </a:pPr>
-            <a:endParaRPr lang="en-US" b="0" strike="noStrike" spc="-1" dirty="0">
-              <a:uFill>
-                <a:solidFill>
-                  <a:srgbClr val="FFFFFF"/>
-                </a:solidFill>
-              </a:uFill>
-              <a:latin typeface="DejaVu Sans Mono"/>
-            </a:endParaRPr>
-          </a:p>
-        </p:txBody>
-      </p:sp>
-    </p:spTree>
-    <p:extLst>
-      <p:ext uri="{BB962C8B-B14F-4D97-AF65-F5344CB8AC3E}">
-        <p14:creationId xmlns:p14="http://schemas.microsoft.com/office/powerpoint/2010/main" val="859645876"/>
       </p:ext>
     </p:extLst>
   </p:cSld>
@@ -22739,8 +22914,282 @@
       <p:par>
         <p:cTn id="1" dur="indefinite" restart="never" nodeType="tmRoot">
           <p:childTnLst>
-            <p:seq>
-              <p:cTn id="2" nodeType="mainSeq"/>
+            <p:seq concurrent="1" nextAc="seek">
+              <p:cTn id="2" dur="indefinite" nodeType="mainSeq">
+                <p:childTnLst>
+                  <p:par>
+                    <p:cTn id="3" fill="hold">
+                      <p:stCondLst>
+                        <p:cond delay="indefinite"/>
+                      </p:stCondLst>
+                      <p:childTnLst>
+                        <p:par>
+                          <p:cTn id="4" fill="hold">
+                            <p:stCondLst>
+                              <p:cond delay="0"/>
+                            </p:stCondLst>
+                            <p:childTnLst>
+                              <p:par>
+                                <p:cTn id="5" presetID="1" presetClass="entr" presetSubtype="0" fill="hold" nodeType="clickEffect">
+                                  <p:stCondLst>
+                                    <p:cond delay="0"/>
+                                  </p:stCondLst>
+                                  <p:childTnLst>
+                                    <p:set>
+                                      <p:cBhvr>
+                                        <p:cTn id="6" dur="1" fill="hold">
+                                          <p:stCondLst>
+                                            <p:cond delay="0"/>
+                                          </p:stCondLst>
+                                        </p:cTn>
+                                        <p:tgtEl>
+                                          <p:spTgt spid="167">
+                                            <p:txEl>
+                                              <p:pRg st="0" end="0"/>
+                                            </p:txEl>
+                                          </p:spTgt>
+                                        </p:tgtEl>
+                                        <p:attrNameLst>
+                                          <p:attrName>style.visibility</p:attrName>
+                                        </p:attrNameLst>
+                                      </p:cBhvr>
+                                      <p:to>
+                                        <p:strVal val="visible"/>
+                                      </p:to>
+                                    </p:set>
+                                  </p:childTnLst>
+                                </p:cTn>
+                              </p:par>
+                              <p:par>
+                                <p:cTn id="7" presetID="1" presetClass="entr" presetSubtype="0" fill="hold" nodeType="withEffect">
+                                  <p:stCondLst>
+                                    <p:cond delay="0"/>
+                                  </p:stCondLst>
+                                  <p:childTnLst>
+                                    <p:set>
+                                      <p:cBhvr>
+                                        <p:cTn id="8" dur="1" fill="hold">
+                                          <p:stCondLst>
+                                            <p:cond delay="0"/>
+                                          </p:stCondLst>
+                                        </p:cTn>
+                                        <p:tgtEl>
+                                          <p:spTgt spid="167">
+                                            <p:txEl>
+                                              <p:pRg st="1" end="1"/>
+                                            </p:txEl>
+                                          </p:spTgt>
+                                        </p:tgtEl>
+                                        <p:attrNameLst>
+                                          <p:attrName>style.visibility</p:attrName>
+                                        </p:attrNameLst>
+                                      </p:cBhvr>
+                                      <p:to>
+                                        <p:strVal val="visible"/>
+                                      </p:to>
+                                    </p:set>
+                                  </p:childTnLst>
+                                </p:cTn>
+                              </p:par>
+                            </p:childTnLst>
+                          </p:cTn>
+                        </p:par>
+                      </p:childTnLst>
+                    </p:cTn>
+                  </p:par>
+                  <p:par>
+                    <p:cTn id="9" fill="hold">
+                      <p:stCondLst>
+                        <p:cond delay="indefinite"/>
+                      </p:stCondLst>
+                      <p:childTnLst>
+                        <p:par>
+                          <p:cTn id="10" fill="hold">
+                            <p:stCondLst>
+                              <p:cond delay="0"/>
+                            </p:stCondLst>
+                            <p:childTnLst>
+                              <p:par>
+                                <p:cTn id="11" presetID="1" presetClass="entr" presetSubtype="0" fill="hold" nodeType="clickEffect">
+                                  <p:stCondLst>
+                                    <p:cond delay="0"/>
+                                  </p:stCondLst>
+                                  <p:childTnLst>
+                                    <p:set>
+                                      <p:cBhvr>
+                                        <p:cTn id="12" dur="1" fill="hold">
+                                          <p:stCondLst>
+                                            <p:cond delay="0"/>
+                                          </p:stCondLst>
+                                        </p:cTn>
+                                        <p:tgtEl>
+                                          <p:spTgt spid="167">
+                                            <p:txEl>
+                                              <p:pRg st="3" end="3"/>
+                                            </p:txEl>
+                                          </p:spTgt>
+                                        </p:tgtEl>
+                                        <p:attrNameLst>
+                                          <p:attrName>style.visibility</p:attrName>
+                                        </p:attrNameLst>
+                                      </p:cBhvr>
+                                      <p:to>
+                                        <p:strVal val="visible"/>
+                                      </p:to>
+                                    </p:set>
+                                  </p:childTnLst>
+                                </p:cTn>
+                              </p:par>
+                              <p:par>
+                                <p:cTn id="13" presetID="1" presetClass="entr" presetSubtype="0" fill="hold" nodeType="withEffect">
+                                  <p:stCondLst>
+                                    <p:cond delay="0"/>
+                                  </p:stCondLst>
+                                  <p:childTnLst>
+                                    <p:set>
+                                      <p:cBhvr>
+                                        <p:cTn id="14" dur="1" fill="hold">
+                                          <p:stCondLst>
+                                            <p:cond delay="0"/>
+                                          </p:stCondLst>
+                                        </p:cTn>
+                                        <p:tgtEl>
+                                          <p:spTgt spid="167">
+                                            <p:txEl>
+                                              <p:pRg st="4" end="4"/>
+                                            </p:txEl>
+                                          </p:spTgt>
+                                        </p:tgtEl>
+                                        <p:attrNameLst>
+                                          <p:attrName>style.visibility</p:attrName>
+                                        </p:attrNameLst>
+                                      </p:cBhvr>
+                                      <p:to>
+                                        <p:strVal val="visible"/>
+                                      </p:to>
+                                    </p:set>
+                                  </p:childTnLst>
+                                </p:cTn>
+                              </p:par>
+                              <p:par>
+                                <p:cTn id="15" presetID="1" presetClass="entr" presetSubtype="0" fill="hold" nodeType="withEffect">
+                                  <p:stCondLst>
+                                    <p:cond delay="0"/>
+                                  </p:stCondLst>
+                                  <p:childTnLst>
+                                    <p:set>
+                                      <p:cBhvr>
+                                        <p:cTn id="16" dur="1" fill="hold">
+                                          <p:stCondLst>
+                                            <p:cond delay="0"/>
+                                          </p:stCondLst>
+                                        </p:cTn>
+                                        <p:tgtEl>
+                                          <p:spTgt spid="167">
+                                            <p:txEl>
+                                              <p:pRg st="5" end="5"/>
+                                            </p:txEl>
+                                          </p:spTgt>
+                                        </p:tgtEl>
+                                        <p:attrNameLst>
+                                          <p:attrName>style.visibility</p:attrName>
+                                        </p:attrNameLst>
+                                      </p:cBhvr>
+                                      <p:to>
+                                        <p:strVal val="visible"/>
+                                      </p:to>
+                                    </p:set>
+                                  </p:childTnLst>
+                                </p:cTn>
+                              </p:par>
+                              <p:par>
+                                <p:cTn id="17" presetID="1" presetClass="entr" presetSubtype="0" fill="hold" nodeType="withEffect">
+                                  <p:stCondLst>
+                                    <p:cond delay="0"/>
+                                  </p:stCondLst>
+                                  <p:childTnLst>
+                                    <p:set>
+                                      <p:cBhvr>
+                                        <p:cTn id="18" dur="1" fill="hold">
+                                          <p:stCondLst>
+                                            <p:cond delay="0"/>
+                                          </p:stCondLst>
+                                        </p:cTn>
+                                        <p:tgtEl>
+                                          <p:spTgt spid="167">
+                                            <p:txEl>
+                                              <p:pRg st="6" end="6"/>
+                                            </p:txEl>
+                                          </p:spTgt>
+                                        </p:tgtEl>
+                                        <p:attrNameLst>
+                                          <p:attrName>style.visibility</p:attrName>
+                                        </p:attrNameLst>
+                                      </p:cBhvr>
+                                      <p:to>
+                                        <p:strVal val="visible"/>
+                                      </p:to>
+                                    </p:set>
+                                  </p:childTnLst>
+                                </p:cTn>
+                              </p:par>
+                            </p:childTnLst>
+                          </p:cTn>
+                        </p:par>
+                      </p:childTnLst>
+                    </p:cTn>
+                  </p:par>
+                  <p:par>
+                    <p:cTn id="19" fill="hold">
+                      <p:stCondLst>
+                        <p:cond delay="indefinite"/>
+                      </p:stCondLst>
+                      <p:childTnLst>
+                        <p:par>
+                          <p:cTn id="20" fill="hold">
+                            <p:stCondLst>
+                              <p:cond delay="0"/>
+                            </p:stCondLst>
+                            <p:childTnLst>
+                              <p:par>
+                                <p:cTn id="21" presetID="1" presetClass="entr" presetSubtype="0" fill="hold" nodeType="clickEffect">
+                                  <p:stCondLst>
+                                    <p:cond delay="0"/>
+                                  </p:stCondLst>
+                                  <p:childTnLst>
+                                    <p:set>
+                                      <p:cBhvr>
+                                        <p:cTn id="22" dur="1" fill="hold">
+                                          <p:stCondLst>
+                                            <p:cond delay="0"/>
+                                          </p:stCondLst>
+                                        </p:cTn>
+                                        <p:tgtEl>
+                                          <p:spTgt spid="167">
+                                            <p:txEl>
+                                              <p:pRg st="8" end="8"/>
+                                            </p:txEl>
+                                          </p:spTgt>
+                                        </p:tgtEl>
+                                        <p:attrNameLst>
+                                          <p:attrName>style.visibility</p:attrName>
+                                        </p:attrNameLst>
+                                      </p:cBhvr>
+                                      <p:to>
+                                        <p:strVal val="visible"/>
+                                      </p:to>
+                                    </p:set>
+                                  </p:childTnLst>
+                                </p:cTn>
+                              </p:par>
+                            </p:childTnLst>
+                          </p:cTn>
+                        </p:par>
+                      </p:childTnLst>
+                    </p:cTn>
+                  </p:par>
+                </p:childTnLst>
+              </p:cTn>
               <p:prevCondLst>
                 <p:cond evt="onPrev" delay="0">
                   <p:tgtEl>
@@ -23129,8 +23578,202 @@
       <p:par>
         <p:cTn id="1" dur="indefinite" restart="never" nodeType="tmRoot">
           <p:childTnLst>
-            <p:seq>
-              <p:cTn id="2" nodeType="mainSeq"/>
+            <p:seq concurrent="1" nextAc="seek">
+              <p:cTn id="2" dur="indefinite" nodeType="mainSeq">
+                <p:childTnLst>
+                  <p:par>
+                    <p:cTn id="3" fill="hold">
+                      <p:stCondLst>
+                        <p:cond delay="indefinite"/>
+                      </p:stCondLst>
+                      <p:childTnLst>
+                        <p:par>
+                          <p:cTn id="4" fill="hold">
+                            <p:stCondLst>
+                              <p:cond delay="0"/>
+                            </p:stCondLst>
+                            <p:childTnLst>
+                              <p:par>
+                                <p:cTn id="5" presetID="1" presetClass="entr" presetSubtype="0" fill="hold" nodeType="clickEffect">
+                                  <p:stCondLst>
+                                    <p:cond delay="0"/>
+                                  </p:stCondLst>
+                                  <p:childTnLst>
+                                    <p:set>
+                                      <p:cBhvr>
+                                        <p:cTn id="6" dur="1" fill="hold">
+                                          <p:stCondLst>
+                                            <p:cond delay="0"/>
+                                          </p:stCondLst>
+                                        </p:cTn>
+                                        <p:tgtEl>
+                                          <p:spTgt spid="169">
+                                            <p:txEl>
+                                              <p:pRg st="0" end="0"/>
+                                            </p:txEl>
+                                          </p:spTgt>
+                                        </p:tgtEl>
+                                        <p:attrNameLst>
+                                          <p:attrName>style.visibility</p:attrName>
+                                        </p:attrNameLst>
+                                      </p:cBhvr>
+                                      <p:to>
+                                        <p:strVal val="visible"/>
+                                      </p:to>
+                                    </p:set>
+                                  </p:childTnLst>
+                                </p:cTn>
+                              </p:par>
+                              <p:par>
+                                <p:cTn id="7" presetID="1" presetClass="entr" presetSubtype="0" fill="hold" nodeType="withEffect">
+                                  <p:stCondLst>
+                                    <p:cond delay="0"/>
+                                  </p:stCondLst>
+                                  <p:childTnLst>
+                                    <p:set>
+                                      <p:cBhvr>
+                                        <p:cTn id="8" dur="1" fill="hold">
+                                          <p:stCondLst>
+                                            <p:cond delay="0"/>
+                                          </p:stCondLst>
+                                        </p:cTn>
+                                        <p:tgtEl>
+                                          <p:spTgt spid="169">
+                                            <p:txEl>
+                                              <p:pRg st="1" end="1"/>
+                                            </p:txEl>
+                                          </p:spTgt>
+                                        </p:tgtEl>
+                                        <p:attrNameLst>
+                                          <p:attrName>style.visibility</p:attrName>
+                                        </p:attrNameLst>
+                                      </p:cBhvr>
+                                      <p:to>
+                                        <p:strVal val="visible"/>
+                                      </p:to>
+                                    </p:set>
+                                  </p:childTnLst>
+                                </p:cTn>
+                              </p:par>
+                              <p:par>
+                                <p:cTn id="9" presetID="1" presetClass="entr" presetSubtype="0" fill="hold" nodeType="withEffect">
+                                  <p:stCondLst>
+                                    <p:cond delay="0"/>
+                                  </p:stCondLst>
+                                  <p:childTnLst>
+                                    <p:set>
+                                      <p:cBhvr>
+                                        <p:cTn id="10" dur="1" fill="hold">
+                                          <p:stCondLst>
+                                            <p:cond delay="0"/>
+                                          </p:stCondLst>
+                                        </p:cTn>
+                                        <p:tgtEl>
+                                          <p:spTgt spid="169">
+                                            <p:txEl>
+                                              <p:pRg st="2" end="2"/>
+                                            </p:txEl>
+                                          </p:spTgt>
+                                        </p:tgtEl>
+                                        <p:attrNameLst>
+                                          <p:attrName>style.visibility</p:attrName>
+                                        </p:attrNameLst>
+                                      </p:cBhvr>
+                                      <p:to>
+                                        <p:strVal val="visible"/>
+                                      </p:to>
+                                    </p:set>
+                                  </p:childTnLst>
+                                </p:cTn>
+                              </p:par>
+                            </p:childTnLst>
+                          </p:cTn>
+                        </p:par>
+                      </p:childTnLst>
+                    </p:cTn>
+                  </p:par>
+                  <p:par>
+                    <p:cTn id="11" fill="hold">
+                      <p:stCondLst>
+                        <p:cond delay="indefinite"/>
+                      </p:stCondLst>
+                      <p:childTnLst>
+                        <p:par>
+                          <p:cTn id="12" fill="hold">
+                            <p:stCondLst>
+                              <p:cond delay="0"/>
+                            </p:stCondLst>
+                            <p:childTnLst>
+                              <p:par>
+                                <p:cTn id="13" presetID="1" presetClass="entr" presetSubtype="0" fill="hold" nodeType="clickEffect">
+                                  <p:stCondLst>
+                                    <p:cond delay="0"/>
+                                  </p:stCondLst>
+                                  <p:childTnLst>
+                                    <p:set>
+                                      <p:cBhvr>
+                                        <p:cTn id="14" dur="1" fill="hold">
+                                          <p:stCondLst>
+                                            <p:cond delay="0"/>
+                                          </p:stCondLst>
+                                        </p:cTn>
+                                        <p:tgtEl>
+                                          <p:spTgt spid="169">
+                                            <p:txEl>
+                                              <p:pRg st="4" end="4"/>
+                                            </p:txEl>
+                                          </p:spTgt>
+                                        </p:tgtEl>
+                                        <p:attrNameLst>
+                                          <p:attrName>style.visibility</p:attrName>
+                                        </p:attrNameLst>
+                                      </p:cBhvr>
+                                      <p:to>
+                                        <p:strVal val="visible"/>
+                                      </p:to>
+                                    </p:set>
+                                  </p:childTnLst>
+                                </p:cTn>
+                              </p:par>
+                              <p:par>
+                                <p:cTn id="15" presetID="1" presetClass="entr" presetSubtype="0" fill="hold" nodeType="withEffect">
+                                  <p:stCondLst>
+                                    <p:cond delay="0"/>
+                                  </p:stCondLst>
+                                  <p:childTnLst>
+                                    <p:set>
+                                      <p:cBhvr>
+                                        <p:cTn id="16" dur="1" fill="hold">
+                                          <p:stCondLst>
+                                            <p:cond delay="0"/>
+                                          </p:stCondLst>
+                                        </p:cTn>
+                                        <p:tgtEl>
+                                          <p:spTgt spid="169">
+                                            <p:txEl>
+                                              <p:pRg st="5" end="5"/>
+                                            </p:txEl>
+                                          </p:spTgt>
+                                        </p:tgtEl>
+                                        <p:attrNameLst>
+                                          <p:attrName>style.visibility</p:attrName>
+                                        </p:attrNameLst>
+                                      </p:cBhvr>
+                                      <p:to>
+                                        <p:strVal val="visible"/>
+                                      </p:to>
+                                    </p:set>
+                                  </p:childTnLst>
+                                </p:cTn>
+                              </p:par>
+                            </p:childTnLst>
+                          </p:cTn>
+                        </p:par>
+                      </p:childTnLst>
+                    </p:cTn>
+                  </p:par>
+                </p:childTnLst>
+              </p:cTn>
               <p:prevCondLst>
                 <p:cond evt="onPrev" delay="0">
                   <p:tgtEl>
